--- a/PowerPoints/08 - Abstract Syntax Trees.pptx
+++ b/PowerPoints/08 - Abstract Syntax Trees.pptx
@@ -16164,37 +16164,25 @@
               <a:rPr lang="en-US" sz="1800" dirty="0" err="1">
                 <a:latin typeface="Consolas" panose="020B0609020204030204" pitchFamily="49" charset="0"/>
               </a:rPr>
-              <a:t>SingleVarDecl</a:t>
-            </a:r>
-            <a:r>
-              <a:rPr lang="en-US" sz="1800" dirty="0">
-                <a:latin typeface="Consolas" panose="020B0609020204030204" pitchFamily="49" charset="0"/>
-              </a:rPr>
-              <a:t> </a:t>
+              <a:t>decl</a:t>
+            </a:r>
+            <a:r>
+              <a:rPr lang="en-US" sz="1800" dirty="0">
+                <a:latin typeface="Consolas" panose="020B0609020204030204" pitchFamily="49" charset="0"/>
+              </a:rPr>
+              <a:t> in </a:t>
             </a:r>
             <a:r>
               <a:rPr lang="en-US" sz="1800" dirty="0" err="1">
                 <a:latin typeface="Consolas" panose="020B0609020204030204" pitchFamily="49" charset="0"/>
               </a:rPr>
-              <a:t>decl</a:t>
-            </a:r>
-            <a:r>
-              <a:rPr lang="en-US" sz="1800" dirty="0">
-                <a:latin typeface="Consolas" panose="020B0609020204030204" pitchFamily="49" charset="0"/>
-              </a:rPr>
-              <a:t> : </a:t>
-            </a:r>
-            <a:r>
-              <a:rPr lang="en-US" sz="1800" dirty="0" err="1">
-                <a:latin typeface="Consolas" panose="020B0609020204030204" pitchFamily="49" charset="0"/>
-              </a:rPr>
-              <a:t>varDecl.getSingleVarDecls</a:t>
-            </a:r>
-            <a:r>
-              <a:rPr lang="en-US" sz="1800" dirty="0">
-                <a:latin typeface="Consolas" panose="020B0609020204030204" pitchFamily="49" charset="0"/>
-              </a:rPr>
-              <a:t>())</a:t>
+              <a:t>varDecl.singleVarDecls</a:t>
+            </a:r>
+            <a:r>
+              <a:rPr lang="en-US" sz="1800" dirty="0">
+                <a:latin typeface="Consolas" panose="020B0609020204030204" pitchFamily="49" charset="0"/>
+              </a:rPr>
+              <a:t>)</a:t>
             </a:r>
           </a:p>
           <a:p>
@@ -16220,7 +16208,7 @@
               <a:rPr lang="en-US" sz="1800" dirty="0">
                 <a:latin typeface="Consolas" panose="020B0609020204030204" pitchFamily="49" charset="0"/>
               </a:rPr>
-              <a:t>);</a:t>
+              <a:t>)</a:t>
             </a:r>
           </a:p>
           <a:p>
@@ -25958,7 +25946,7 @@
           <a:p>
             <a:pPr marL="457200" lvl="1" indent="0">
               <a:spcBef>
-                <a:spcPts val="200"/>
+                <a:spcPts val="100"/>
               </a:spcBef>
               <a:buNone/>
             </a:pPr>
@@ -25972,7 +25960,7 @@
           <a:p>
             <a:pPr marL="457200" lvl="1" indent="0">
               <a:spcBef>
-                <a:spcPts val="200"/>
+                <a:spcPts val="100"/>
               </a:spcBef>
               <a:buNone/>
             </a:pPr>
@@ -25998,7 +25986,7 @@
           <a:p>
             <a:pPr marL="457200" lvl="1" indent="0">
               <a:spcBef>
-                <a:spcPts val="200"/>
+                <a:spcPts val="100"/>
               </a:spcBef>
               <a:buNone/>
             </a:pPr>
@@ -26009,7 +25997,7 @@
           <a:p>
             <a:pPr marL="457200" lvl="1" indent="0">
               <a:spcBef>
-                <a:spcPts val="200"/>
+                <a:spcPts val="100"/>
               </a:spcBef>
               <a:buNone/>
             </a:pPr>
@@ -26035,7 +26023,7 @@
           <a:p>
             <a:pPr marL="457200" lvl="1" indent="0">
               <a:spcBef>
-                <a:spcPts val="200"/>
+                <a:spcPts val="100"/>
               </a:spcBef>
               <a:buNone/>
             </a:pPr>
@@ -26049,7 +26037,7 @@
           <a:p>
             <a:pPr marL="457200" lvl="1" indent="0">
               <a:spcBef>
-                <a:spcPts val="200"/>
+                <a:spcPts val="100"/>
               </a:spcBef>
               <a:buNone/>
             </a:pPr>
@@ -26063,7 +26051,7 @@
           <a:p>
             <a:pPr marL="457200" lvl="1" indent="0">
               <a:spcBef>
-                <a:spcPts val="200"/>
+                <a:spcPts val="100"/>
               </a:spcBef>
               <a:buNone/>
             </a:pPr>
@@ -26110,7 +26098,7 @@
           <a:p>
             <a:pPr marL="457200" lvl="1" indent="0">
               <a:spcBef>
-                <a:spcPts val="200"/>
+                <a:spcPts val="100"/>
               </a:spcBef>
               <a:buNone/>
             </a:pPr>
@@ -26133,7 +26121,7 @@
           <a:p>
             <a:pPr marL="457200" lvl="1" indent="0">
               <a:spcBef>
-                <a:spcPts val="200"/>
+                <a:spcPts val="100"/>
               </a:spcBef>
               <a:buNone/>
             </a:pPr>
@@ -26147,7 +26135,7 @@
           <a:p>
             <a:pPr marL="457200" lvl="1" indent="0">
               <a:spcBef>
-                <a:spcPts val="200"/>
+                <a:spcPts val="100"/>
               </a:spcBef>
               <a:buNone/>
             </a:pPr>
@@ -26368,7 +26356,7 @@
           <a:p>
             <a:pPr marL="457200" lvl="1" indent="0">
               <a:spcBef>
-                <a:spcPts val="200"/>
+                <a:spcPts val="100"/>
               </a:spcBef>
               <a:buNone/>
             </a:pPr>
@@ -26376,7 +26364,7 @@
               <a:rPr lang="en-US" sz="1750" dirty="0">
                 <a:latin typeface="Consolas" panose="020B0609020204030204" pitchFamily="49" charset="0"/>
               </a:rPr>
-              <a:t>     else if (type is </a:t>
+              <a:t>    else if (type is </a:t>
             </a:r>
             <a:r>
               <a:rPr lang="en-US" sz="1750" dirty="0" err="1">
@@ -26394,7 +26382,7 @@
           <a:p>
             <a:pPr marL="457200" lvl="1" indent="0">
               <a:spcBef>
-                <a:spcPts val="200"/>
+                <a:spcPts val="100"/>
               </a:spcBef>
               <a:buNone/>
             </a:pPr>
@@ -26408,7 +26396,7 @@
           <a:p>
             <a:pPr marL="457200" lvl="1" indent="0">
               <a:spcBef>
-                <a:spcPts val="200"/>
+                <a:spcPts val="100"/>
               </a:spcBef>
               <a:buNone/>
             </a:pPr>
@@ -26422,7 +26410,7 @@
           <a:p>
             <a:pPr marL="457200" lvl="1" indent="0">
               <a:spcBef>
-                <a:spcPts val="200"/>
+                <a:spcPts val="100"/>
               </a:spcBef>
               <a:buNone/>
             </a:pPr>
@@ -26436,7 +26424,7 @@
           <a:p>
             <a:pPr marL="457200" lvl="1" indent="0">
               <a:spcBef>
-                <a:spcPts val="200"/>
+                <a:spcPts val="100"/>
               </a:spcBef>
               <a:buNone/>
             </a:pPr>
@@ -26445,35 +26433,12 @@
                 <a:latin typeface="Consolas" panose="020B0609020204030204" pitchFamily="49" charset="0"/>
               </a:rPr>
               <a:t>      }</a:t>
-            </a:r>
-          </a:p>
-          <a:p>
-            <a:pPr marL="457200" lvl="1" indent="0">
-              <a:buNone/>
-            </a:pPr>
-            <a:r>
-              <a:rPr lang="en-US" sz="1750" dirty="0">
-                <a:latin typeface="Consolas" panose="020B0609020204030204" pitchFamily="49" charset="0"/>
-              </a:rPr>
-              <a:t>    else if (type is </a:t>
-            </a:r>
-            <a:r>
-              <a:rPr lang="en-US" sz="1750" dirty="0" err="1">
-                <a:latin typeface="Consolas" panose="020B0609020204030204" pitchFamily="49" charset="0"/>
-              </a:rPr>
-              <a:t>StringType</a:t>
-            </a:r>
-            <a:r>
-              <a:rPr lang="en-US" sz="1750" dirty="0">
-                <a:latin typeface="Consolas" panose="020B0609020204030204" pitchFamily="49" charset="0"/>
-              </a:rPr>
-              <a:t>)</a:t>
             </a:r>
           </a:p>
           <a:p>
             <a:pPr marL="457200" lvl="1" indent="0">
               <a:spcBef>
-                <a:spcPts val="200"/>
+                <a:spcPts val="100"/>
               </a:spcBef>
               <a:buNone/>
             </a:pPr>
@@ -26481,13 +26446,25 @@
               <a:rPr lang="en-US" sz="1750" dirty="0">
                 <a:latin typeface="Consolas" panose="020B0609020204030204" pitchFamily="49" charset="0"/>
               </a:rPr>
-              <a:t>      {</a:t>
+              <a:t>    else if (type is </a:t>
+            </a:r>
+            <a:r>
+              <a:rPr lang="en-US" sz="1750" dirty="0" err="1">
+                <a:latin typeface="Consolas" panose="020B0609020204030204" pitchFamily="49" charset="0"/>
+              </a:rPr>
+              <a:t>StringType</a:t>
+            </a:r>
+            <a:r>
+              <a:rPr lang="en-US" sz="1750" dirty="0">
+                <a:latin typeface="Consolas" panose="020B0609020204030204" pitchFamily="49" charset="0"/>
+              </a:rPr>
+              <a:t>)</a:t>
             </a:r>
           </a:p>
           <a:p>
             <a:pPr marL="457200" lvl="1" indent="0">
               <a:spcBef>
-                <a:spcPts val="200"/>
+                <a:spcPts val="100"/>
               </a:spcBef>
               <a:buNone/>
             </a:pPr>
@@ -26495,13 +26472,13 @@
               <a:rPr lang="en-US" sz="1750" dirty="0">
                 <a:latin typeface="Consolas" panose="020B0609020204030204" pitchFamily="49" charset="0"/>
               </a:rPr>
-              <a:t>        // Selector can be field expression .length (Integer)</a:t>
+              <a:t>      {</a:t>
             </a:r>
           </a:p>
           <a:p>
             <a:pPr marL="457200" lvl="1" indent="0">
               <a:spcBef>
-                <a:spcPts val="200"/>
+                <a:spcPts val="100"/>
               </a:spcBef>
               <a:buNone/>
             </a:pPr>
@@ -26509,13 +26486,13 @@
               <a:rPr lang="en-US" sz="1750" dirty="0">
                 <a:latin typeface="Consolas" panose="020B0609020204030204" pitchFamily="49" charset="0"/>
               </a:rPr>
-              <a:t>        // or an index expression for the characters (Char).</a:t>
+              <a:t>        // Selector can be field expression .length (Integer)</a:t>
             </a:r>
           </a:p>
           <a:p>
             <a:pPr marL="457200" lvl="1" indent="0">
               <a:spcBef>
-                <a:spcPts val="200"/>
+                <a:spcPts val="100"/>
               </a:spcBef>
               <a:buNone/>
             </a:pPr>
@@ -26523,13 +26500,13 @@
               <a:rPr lang="en-US" sz="1750" dirty="0">
                 <a:latin typeface="Consolas" panose="020B0609020204030204" pitchFamily="49" charset="0"/>
               </a:rPr>
-              <a:t>        ...</a:t>
+              <a:t>        // or an index expression for the characters (Char).</a:t>
             </a:r>
           </a:p>
           <a:p>
             <a:pPr marL="457200" lvl="1" indent="0">
               <a:spcBef>
-                <a:spcPts val="200"/>
+                <a:spcPts val="100"/>
               </a:spcBef>
               <a:buNone/>
             </a:pPr>
@@ -26537,13 +26514,13 @@
               <a:rPr lang="en-US" sz="1750" dirty="0">
                 <a:latin typeface="Consolas" panose="020B0609020204030204" pitchFamily="49" charset="0"/>
               </a:rPr>
-              <a:t>      }</a:t>
+              <a:t>        ...</a:t>
             </a:r>
           </a:p>
           <a:p>
             <a:pPr marL="457200" lvl="1" indent="0">
               <a:spcBef>
-                <a:spcPts val="200"/>
+                <a:spcPts val="100"/>
               </a:spcBef>
               <a:buNone/>
             </a:pPr>
@@ -26551,13 +26528,13 @@
               <a:rPr lang="en-US" sz="1750" dirty="0">
                 <a:latin typeface="Consolas" panose="020B0609020204030204" pitchFamily="49" charset="0"/>
               </a:rPr>
-              <a:t>    else</a:t>
+              <a:t>      }</a:t>
             </a:r>
           </a:p>
           <a:p>
             <a:pPr marL="457200" lvl="1" indent="0">
               <a:spcBef>
-                <a:spcPts val="200"/>
+                <a:spcPts val="100"/>
               </a:spcBef>
               <a:buNone/>
             </a:pPr>
@@ -26565,13 +26542,13 @@
               <a:rPr lang="en-US" sz="1750" dirty="0">
                 <a:latin typeface="Consolas" panose="020B0609020204030204" pitchFamily="49" charset="0"/>
               </a:rPr>
-              <a:t>      {</a:t>
+              <a:t>    else</a:t>
             </a:r>
           </a:p>
           <a:p>
             <a:pPr marL="457200" lvl="1" indent="0">
               <a:spcBef>
-                <a:spcPts val="200"/>
+                <a:spcPts val="100"/>
               </a:spcBef>
               <a:buNone/>
             </a:pPr>
@@ -26579,37 +26556,13 @@
               <a:rPr lang="en-US" sz="1750" dirty="0">
                 <a:latin typeface="Consolas" panose="020B0609020204030204" pitchFamily="49" charset="0"/>
               </a:rPr>
-              <a:t>        </a:t>
-            </a:r>
-            <a:r>
-              <a:rPr lang="en-US" sz="1750" dirty="0" err="1">
-                <a:latin typeface="Consolas" panose="020B0609020204030204" pitchFamily="49" charset="0"/>
-              </a:rPr>
-              <a:t>val</a:t>
-            </a:r>
-            <a:r>
-              <a:rPr lang="en-US" sz="1750" dirty="0">
-                <a:latin typeface="Consolas" panose="020B0609020204030204" pitchFamily="49" charset="0"/>
-              </a:rPr>
-              <a:t> </a:t>
-            </a:r>
-            <a:r>
-              <a:rPr lang="en-US" sz="1750" dirty="0" err="1">
-                <a:latin typeface="Consolas" panose="020B0609020204030204" pitchFamily="49" charset="0"/>
-              </a:rPr>
-              <a:t>errorMsg</a:t>
-            </a:r>
-            <a:r>
-              <a:rPr lang="en-US" sz="1750" dirty="0">
-                <a:latin typeface="Consolas" panose="020B0609020204030204" pitchFamily="49" charset="0"/>
-              </a:rPr>
-              <a:t> = "Selector expression not allowed ..."</a:t>
+              <a:t>      {</a:t>
             </a:r>
           </a:p>
           <a:p>
             <a:pPr marL="457200" lvl="1" indent="0">
               <a:spcBef>
-                <a:spcPts val="200"/>
+                <a:spcPts val="100"/>
               </a:spcBef>
               <a:buNone/>
             </a:pPr>
@@ -26617,19 +26570,19 @@
               <a:rPr lang="en-US" sz="1750" dirty="0">
                 <a:latin typeface="Consolas" panose="020B0609020204030204" pitchFamily="49" charset="0"/>
               </a:rPr>
-              <a:t>        throw error(</a:t>
+              <a:t>        </a:t>
             </a:r>
             <a:r>
               <a:rPr lang="en-US" sz="1750" dirty="0" err="1">
                 <a:latin typeface="Consolas" panose="020B0609020204030204" pitchFamily="49" charset="0"/>
               </a:rPr>
-              <a:t>expr.position</a:t>
+              <a:t>val</a:t>
             </a:r>
             <a:r>
               <a:rPr lang="en-US" sz="1750" dirty="0">
                 <a:latin typeface="Consolas" panose="020B0609020204030204" pitchFamily="49" charset="0"/>
               </a:rPr>
-              <a:t>, </a:t>
+              <a:t> </a:t>
             </a:r>
             <a:r>
               <a:rPr lang="en-US" sz="1750" dirty="0" err="1">
@@ -26641,13 +26594,13 @@
               <a:rPr lang="en-US" sz="1750" dirty="0">
                 <a:latin typeface="Consolas" panose="020B0609020204030204" pitchFamily="49" charset="0"/>
               </a:rPr>
-              <a:t>)</a:t>
+              <a:t> = "Selector expression not allowed ..."</a:t>
             </a:r>
           </a:p>
           <a:p>
             <a:pPr marL="457200" lvl="1" indent="0">
               <a:spcBef>
-                <a:spcPts val="200"/>
+                <a:spcPts val="100"/>
               </a:spcBef>
               <a:buNone/>
             </a:pPr>
@@ -26655,7 +26608,59 @@
               <a:rPr lang="en-US" sz="1750" dirty="0">
                 <a:latin typeface="Consolas" panose="020B0609020204030204" pitchFamily="49" charset="0"/>
               </a:rPr>
+              <a:t>        throw error(</a:t>
+            </a:r>
+            <a:r>
+              <a:rPr lang="en-US" sz="1750" dirty="0" err="1">
+                <a:latin typeface="Consolas" panose="020B0609020204030204" pitchFamily="49" charset="0"/>
+              </a:rPr>
+              <a:t>expr.position</a:t>
+            </a:r>
+            <a:r>
+              <a:rPr lang="en-US" sz="1750" dirty="0">
+                <a:latin typeface="Consolas" panose="020B0609020204030204" pitchFamily="49" charset="0"/>
+              </a:rPr>
+              <a:t>, </a:t>
+            </a:r>
+            <a:r>
+              <a:rPr lang="en-US" sz="1750" dirty="0" err="1">
+                <a:latin typeface="Consolas" panose="020B0609020204030204" pitchFamily="49" charset="0"/>
+              </a:rPr>
+              <a:t>errorMsg</a:t>
+            </a:r>
+            <a:r>
+              <a:rPr lang="en-US" sz="1750" dirty="0">
+                <a:latin typeface="Consolas" panose="020B0609020204030204" pitchFamily="49" charset="0"/>
+              </a:rPr>
+              <a:t>)</a:t>
+            </a:r>
+          </a:p>
+          <a:p>
+            <a:pPr marL="457200" lvl="1" indent="0">
+              <a:spcBef>
+                <a:spcPts val="100"/>
+              </a:spcBef>
+              <a:buNone/>
+            </a:pPr>
+            <a:r>
+              <a:rPr lang="en-US" sz="1750" dirty="0">
+                <a:latin typeface="Consolas" panose="020B0609020204030204" pitchFamily="49" charset="0"/>
+              </a:rPr>
               <a:t>      }</a:t>
+            </a:r>
+          </a:p>
+          <a:p>
+            <a:pPr marL="457200" lvl="1" indent="0">
+              <a:spcBef>
+                <a:spcPts val="100"/>
+              </a:spcBef>
+              <a:buNone/>
+            </a:pPr>
+            <a:r>
+              <a:rPr lang="en-US" sz="1750" dirty="0">
+                <a:latin typeface="Consolas" panose="020B0609020204030204" pitchFamily="49" charset="0"/>
+              </a:rPr>
+              <a:t>  }</a:t>
             </a:r>
           </a:p>
           <a:p>

--- a/PowerPoints/08 - Abstract Syntax Trees.pptx
+++ b/PowerPoints/08 - Abstract Syntax Trees.pptx
@@ -8547,21 +8547,7 @@
               <a:rPr lang="en-US" sz="1800" dirty="0">
                 <a:latin typeface="Consolas" panose="020B0609020204030204" pitchFamily="49" charset="0"/>
               </a:rPr>
-              <a:t>                    | booleanLiteral .</a:t>
-            </a:r>
-          </a:p>
-          <a:p>
-            <a:pPr marL="0" indent="0">
-              <a:spcBef>
-                <a:spcPts val="100"/>
-              </a:spcBef>
-              <a:buNone/>
-            </a:pPr>
-            <a:r>
-              <a:rPr lang="en-US" sz="1800" dirty="0">
-                <a:latin typeface="Consolas" panose="020B0609020204030204" pitchFamily="49" charset="0"/>
-              </a:rPr>
-              <a:t>    booleanLiteral = "true" | "false" .</a:t>
+              <a:t>            | "true" | "false" .</a:t>
             </a:r>
             <a:endParaRPr lang="en-US" dirty="0"/>
           </a:p>

--- a/PowerPoints/08 - Abstract Syntax Trees.pptx
+++ b/PowerPoints/08 - Abstract Syntax Trees.pptx
@@ -10886,7 +10886,7 @@
         </p:nvGrpSpPr>
         <p:grpSpPr>
           <a:xfrm>
-            <a:off x="1829889" y="4769934"/>
+            <a:off x="1371600" y="4724400"/>
             <a:ext cx="5488744" cy="1529266"/>
             <a:chOff x="1603550" y="4572000"/>
             <a:chExt cx="5488744" cy="1529266"/>
@@ -11825,7 +11825,7 @@
             <a:pPr algn="l"/>
             <a:r>
               <a:rPr lang="en-US" sz="2000" dirty="0"/>
-              <a:t>three values, GLOBAL, </a:t>
+              <a:t>three values – GLOBAL, </a:t>
             </a:r>
             <a:r>
               <a:rPr lang="en-US" sz="2000" dirty="0">
@@ -14237,7 +14237,7 @@
         </p:nvGrpSpPr>
         <p:grpSpPr>
           <a:xfrm>
-            <a:off x="1828698" y="2895600"/>
+            <a:off x="1676400" y="2895600"/>
             <a:ext cx="5486604" cy="1745177"/>
             <a:chOff x="2507650" y="1940183"/>
             <a:chExt cx="5486604" cy="1745177"/>
@@ -15284,19 +15284,78 @@
               <a:rPr lang="en-US" sz="1800" dirty="0">
                 <a:latin typeface="Consolas" panose="020B0609020204030204" pitchFamily="49" charset="0"/>
               </a:rPr>
-              <a:t>        val </a:t>
+              <a:t>        </a:t>
             </a:r>
             <a:r>
               <a:rPr lang="en-US" sz="1800" dirty="0" err="1">
                 <a:latin typeface="Consolas" panose="020B0609020204030204" pitchFamily="49" charset="0"/>
               </a:rPr>
+              <a:t>val</a:t>
+            </a:r>
+            <a:r>
+              <a:rPr lang="en-US" sz="1800" dirty="0">
+                <a:latin typeface="Consolas" panose="020B0609020204030204" pitchFamily="49" charset="0"/>
+              </a:rPr>
+              <a:t> </a:t>
+            </a:r>
+            <a:r>
+              <a:rPr lang="en-US" sz="1800" dirty="0" err="1">
+                <a:latin typeface="Consolas" panose="020B0609020204030204" pitchFamily="49" charset="0"/>
+              </a:rPr>
+              <a:t>idStr</a:t>
+            </a:r>
+            <a:r>
+              <a:rPr lang="en-US" sz="1800" dirty="0">
+                <a:latin typeface="Consolas" panose="020B0609020204030204" pitchFamily="49" charset="0"/>
+              </a:rPr>
+              <a:t> = </a:t>
+            </a:r>
+            <a:r>
+              <a:rPr lang="en-US" sz="1800" dirty="0" err="1">
+                <a:latin typeface="Consolas" panose="020B0609020204030204" pitchFamily="49" charset="0"/>
+              </a:rPr>
+              <a:t>scanner.text</a:t>
+            </a:r>
+            <a:endParaRPr lang="en-US" sz="1800" dirty="0">
+              <a:latin typeface="Consolas" panose="020B0609020204030204" pitchFamily="49" charset="0"/>
+            </a:endParaRPr>
+          </a:p>
+          <a:p>
+            <a:pPr marL="182880" indent="0">
+              <a:spcBef>
+                <a:spcPts val="200"/>
+              </a:spcBef>
+              <a:buNone/>
+            </a:pPr>
+            <a:r>
+              <a:rPr lang="en-US" sz="1800" dirty="0">
+                <a:latin typeface="Consolas" panose="020B0609020204030204" pitchFamily="49" charset="0"/>
+              </a:rPr>
+              <a:t>        </a:t>
+            </a:r>
+            <a:r>
+              <a:rPr lang="en-US" sz="1800" dirty="0" err="1">
+                <a:latin typeface="Consolas" panose="020B0609020204030204" pitchFamily="49" charset="0"/>
+              </a:rPr>
+              <a:t>val</a:t>
+            </a:r>
+            <a:r>
+              <a:rPr lang="en-US" sz="1800" dirty="0">
+                <a:latin typeface="Consolas" panose="020B0609020204030204" pitchFamily="49" charset="0"/>
+              </a:rPr>
+              <a:t> </a:t>
+            </a:r>
+            <a:r>
+              <a:rPr lang="en-US" sz="1800" dirty="0" err="1">
+                <a:latin typeface="Consolas" panose="020B0609020204030204" pitchFamily="49" charset="0"/>
+              </a:rPr>
               <a:t>decl</a:t>
             </a:r>
             <a:r>
               <a:rPr lang="en-US" sz="1800" dirty="0">
                 <a:latin typeface="Consolas" panose="020B0609020204030204" pitchFamily="49" charset="0"/>
               </a:rPr>
-              <a:t> = </a:t>
+              <a:t>  = </a:t>
             </a:r>
             <a:r>
               <a:rPr lang="en-US" sz="1800" dirty="0" err="1">
@@ -15314,7 +15373,7 @@
               <a:rPr lang="en-US" sz="1800" dirty="0" err="1">
                 <a:latin typeface="Consolas" panose="020B0609020204030204" pitchFamily="49" charset="0"/>
               </a:rPr>
-              <a:t>scanner.token</a:t>
+              <a:t>idStr</a:t>
             </a:r>
             <a:r>
               <a:rPr lang="en-US" sz="1800" dirty="0">
@@ -15685,7 +15744,7 @@
         <p:spPr>
           <a:xfrm>
             <a:off x="458788" y="1363663"/>
-            <a:ext cx="8503920" cy="4935537"/>
+            <a:ext cx="8138160" cy="4935537"/>
           </a:xfrm>
         </p:spPr>
         <p:txBody>
@@ -16164,12 +16223,9 @@
               </a:rPr>
               <a:t>varDecl.singleVarDecls</a:t>
             </a:r>
-            <a:r>
-              <a:rPr lang="en-US" sz="1800" dirty="0">
-                <a:latin typeface="Consolas" panose="020B0609020204030204" pitchFamily="49" charset="0"/>
-              </a:rPr>
-              <a:t>)</a:t>
-            </a:r>
+            <a:endParaRPr lang="en-US" sz="1800" dirty="0">
+              <a:latin typeface="Consolas" panose="020B0609020204030204" pitchFamily="49" charset="0"/>
+            </a:endParaRPr>
           </a:p>
           <a:p>
             <a:pPr marL="457200" lvl="1" indent="0">
@@ -16505,7 +16561,7 @@
           <a:p>
             <a:r>
               <a:rPr lang="en-US" dirty="0"/>
-              <a:t>Using </a:t>
+              <a:t>Example: Using </a:t>
             </a:r>
             <a:r>
               <a:rPr lang="en-US" dirty="0">
@@ -16523,13 +16579,8 @@
             </a:br>
             <a:r>
               <a:rPr lang="en-US" dirty="0"/>
-              <a:t>Occurrences of Identifiers </a:t>
-            </a:r>
-            <a:r>
-              <a:rPr lang="en-US" sz="2400" dirty="0"/>
-              <a:t>(continued)</a:t>
-            </a:r>
-            <a:endParaRPr lang="en-US" dirty="0"/>
+              <a:t>Occurrences of Identifiers</a:t>
+            </a:r>
           </a:p>
         </p:txBody>
       </p:sp>
@@ -16546,449 +16597,453 @@
         <p:spPr>
           <a:xfrm>
             <a:off x="458788" y="1363663"/>
-            <a:ext cx="8228012" cy="4935537"/>
+            <a:ext cx="8321040" cy="4935537"/>
           </a:xfrm>
         </p:spPr>
         <p:txBody>
           <a:bodyPr/>
           <a:lstStyle/>
           <a:p>
-            <a:r>
-              <a:rPr lang="en-US" dirty="0"/>
-              <a:t>Example (in method </a:t>
-            </a:r>
-            <a:r>
-              <a:rPr lang="en-US" dirty="0" err="1">
+            <a:pPr marL="182880" indent="0">
+              <a:spcBef>
+                <a:spcPts val="100"/>
+              </a:spcBef>
+              <a:buNone/>
+            </a:pPr>
+            <a:r>
+              <a:rPr lang="en-US" sz="1800" dirty="0">
+                <a:latin typeface="Consolas" panose="020B0609020204030204" pitchFamily="49" charset="0"/>
+              </a:rPr>
+              <a:t>// in method </a:t>
+            </a:r>
+            <a:r>
+              <a:rPr lang="en-US" sz="1800" dirty="0" err="1">
                 <a:latin typeface="Consolas" panose="020B0609020204030204" pitchFamily="49" charset="0"/>
               </a:rPr>
               <a:t>parseVariableCommon</a:t>
             </a:r>
             <a:r>
-              <a:rPr lang="en-US" dirty="0">
+              <a:rPr lang="en-US" sz="1800" dirty="0">
                 <a:latin typeface="Consolas" panose="020B0609020204030204" pitchFamily="49" charset="0"/>
               </a:rPr>
               <a:t>()</a:t>
             </a:r>
-            <a:r>
-              <a:rPr lang="en-US" dirty="0"/>
-              <a:t>)</a:t>
-            </a:r>
-          </a:p>
-          <a:p>
-            <a:pPr marL="457200" lvl="1" indent="0">
+          </a:p>
+          <a:p>
+            <a:pPr marL="182880" lvl="1" indent="0">
               <a:spcBef>
-                <a:spcPts val="480"/>
+                <a:spcPts val="100"/>
               </a:spcBef>
               <a:buNone/>
             </a:pPr>
             <a:r>
-              <a:rPr lang="en-US" sz="1700" dirty="0">
+              <a:rPr lang="en-US" sz="1800" dirty="0">
                 <a:latin typeface="Consolas" panose="020B0609020204030204" pitchFamily="49" charset="0"/>
               </a:rPr>
               <a:t>val </a:t>
             </a:r>
             <a:r>
-              <a:rPr lang="en-US" sz="1700" dirty="0" err="1">
+              <a:rPr lang="en-US" sz="1800" dirty="0" err="1">
                 <a:latin typeface="Consolas" panose="020B0609020204030204" pitchFamily="49" charset="0"/>
               </a:rPr>
               <a:t>idToken</a:t>
             </a:r>
             <a:r>
-              <a:rPr lang="en-US" sz="1700" dirty="0">
+              <a:rPr lang="en-US" sz="1800" dirty="0">
                 <a:latin typeface="Consolas" panose="020B0609020204030204" pitchFamily="49" charset="0"/>
               </a:rPr>
               <a:t> = </a:t>
             </a:r>
             <a:r>
-              <a:rPr lang="en-US" sz="1700" dirty="0" err="1">
+              <a:rPr lang="en-US" sz="1800" dirty="0" err="1">
                 <a:latin typeface="Consolas" panose="020B0609020204030204" pitchFamily="49" charset="0"/>
               </a:rPr>
               <a:t>scanner.token</a:t>
             </a:r>
-            <a:endParaRPr lang="en-US" sz="1700" dirty="0">
+            <a:endParaRPr lang="en-US" sz="1800" dirty="0">
               <a:latin typeface="Consolas" panose="020B0609020204030204" pitchFamily="49" charset="0"/>
             </a:endParaRPr>
           </a:p>
           <a:p>
-            <a:pPr marL="457200" lvl="1" indent="0">
+            <a:pPr marL="182880" lvl="1" indent="0">
               <a:spcBef>
-                <a:spcPts val="200"/>
+                <a:spcPts val="100"/>
               </a:spcBef>
               <a:buNone/>
             </a:pPr>
             <a:r>
-              <a:rPr lang="en-US" sz="1700" dirty="0">
+              <a:rPr lang="en-US" sz="1800" dirty="0">
                 <a:latin typeface="Consolas" panose="020B0609020204030204" pitchFamily="49" charset="0"/>
               </a:rPr>
               <a:t>match(Symbol.identifier)</a:t>
             </a:r>
           </a:p>
           <a:p>
-            <a:pPr marL="457200" lvl="1" indent="0">
+            <a:pPr marL="182880" lvl="1" indent="0">
               <a:spcBef>
-                <a:spcPts val="200"/>
+                <a:spcPts val="100"/>
               </a:spcBef>
               <a:buNone/>
             </a:pPr>
             <a:r>
-              <a:rPr lang="en-US" sz="1700" dirty="0">
+              <a:rPr lang="en-US" sz="1800" dirty="0">
                 <a:latin typeface="Consolas" panose="020B0609020204030204" pitchFamily="49" charset="0"/>
               </a:rPr>
               <a:t>val </a:t>
             </a:r>
             <a:r>
-              <a:rPr lang="en-US" sz="1700" dirty="0" err="1">
+              <a:rPr lang="en-US" sz="1800" dirty="0" err="1">
                 <a:latin typeface="Consolas" panose="020B0609020204030204" pitchFamily="49" charset="0"/>
               </a:rPr>
               <a:t>decl</a:t>
             </a:r>
             <a:r>
-              <a:rPr lang="en-US" sz="1700" dirty="0">
+              <a:rPr lang="en-US" sz="1800" dirty="0">
                 <a:latin typeface="Consolas" panose="020B0609020204030204" pitchFamily="49" charset="0"/>
               </a:rPr>
               <a:t> = </a:t>
             </a:r>
             <a:r>
-              <a:rPr lang="en-US" sz="1700" dirty="0" err="1">
+              <a:rPr lang="en-US" sz="1800" dirty="0" err="1">
                 <a:latin typeface="Consolas" panose="020B0609020204030204" pitchFamily="49" charset="0"/>
               </a:rPr>
               <a:t>idTable</a:t>
             </a:r>
             <a:r>
-              <a:rPr lang="en-US" sz="1700" dirty="0">
+              <a:rPr lang="en-US" sz="1800" dirty="0">
                 <a:latin typeface="Consolas" panose="020B0609020204030204" pitchFamily="49" charset="0"/>
               </a:rPr>
               <a:t>[</a:t>
             </a:r>
             <a:r>
-              <a:rPr lang="en-US" sz="1700" dirty="0" err="1">
+              <a:rPr lang="en-US" sz="1800" dirty="0" err="1">
                 <a:latin typeface="Consolas" panose="020B0609020204030204" pitchFamily="49" charset="0"/>
               </a:rPr>
               <a:t>idToken</a:t>
             </a:r>
             <a:r>
-              <a:rPr lang="en-US" sz="1700" dirty="0">
+              <a:rPr lang="en-US" sz="1800" dirty="0">
                 <a:latin typeface="Consolas" panose="020B0609020204030204" pitchFamily="49" charset="0"/>
               </a:rPr>
               <a:t>]</a:t>
             </a:r>
           </a:p>
           <a:p>
-            <a:pPr marL="457200" lvl="1" indent="0">
+            <a:pPr marL="182880" lvl="1" indent="0">
               <a:spcBef>
-                <a:spcPts val="200"/>
+                <a:spcPts val="100"/>
               </a:spcBef>
               <a:buNone/>
             </a:pPr>
-            <a:endParaRPr lang="en-US" sz="1700" dirty="0">
+            <a:endParaRPr lang="en-US" sz="1800" dirty="0">
               <a:latin typeface="Consolas" panose="020B0609020204030204" pitchFamily="49" charset="0"/>
             </a:endParaRPr>
           </a:p>
           <a:p>
-            <a:pPr marL="457200" lvl="1" indent="0">
+            <a:pPr marL="182880" lvl="1" indent="0">
               <a:spcBef>
-                <a:spcPts val="200"/>
+                <a:spcPts val="100"/>
               </a:spcBef>
               <a:buNone/>
             </a:pPr>
             <a:r>
-              <a:rPr lang="en-US" sz="1700" dirty="0">
+              <a:rPr lang="en-US" sz="1800" dirty="0">
                 <a:latin typeface="Consolas" panose="020B0609020204030204" pitchFamily="49" charset="0"/>
               </a:rPr>
               <a:t>if (</a:t>
             </a:r>
             <a:r>
-              <a:rPr lang="en-US" sz="1700" dirty="0" err="1">
+              <a:rPr lang="en-US" sz="1800" dirty="0" err="1">
                 <a:latin typeface="Consolas" panose="020B0609020204030204" pitchFamily="49" charset="0"/>
               </a:rPr>
               <a:t>decl</a:t>
             </a:r>
             <a:r>
-              <a:rPr lang="en-US" sz="1700" dirty="0">
+              <a:rPr lang="en-US" sz="1800" dirty="0">
                 <a:latin typeface="Consolas" panose="020B0609020204030204" pitchFamily="49" charset="0"/>
               </a:rPr>
               <a:t> == null)</a:t>
             </a:r>
           </a:p>
           <a:p>
-            <a:pPr marL="457200" lvl="1" indent="0">
+            <a:pPr marL="182880" lvl="1" indent="0">
               <a:spcBef>
-                <a:spcPts val="200"/>
+                <a:spcPts val="100"/>
               </a:spcBef>
               <a:buNone/>
             </a:pPr>
             <a:r>
-              <a:rPr lang="en-US" sz="1700" dirty="0">
+              <a:rPr lang="en-US" sz="1800" dirty="0">
                 <a:latin typeface="Consolas" panose="020B0609020204030204" pitchFamily="49" charset="0"/>
               </a:rPr>
               <a:t>  {</a:t>
             </a:r>
           </a:p>
           <a:p>
-            <a:pPr marL="457200" lvl="1" indent="0">
+            <a:pPr marL="182880" lvl="1" indent="0">
               <a:spcBef>
-                <a:spcPts val="200"/>
+                <a:spcPts val="100"/>
               </a:spcBef>
               <a:buNone/>
             </a:pPr>
             <a:r>
-              <a:rPr lang="en-US" sz="1700" dirty="0">
+              <a:rPr lang="en-US" sz="1800" dirty="0">
                 <a:latin typeface="Consolas" panose="020B0609020204030204" pitchFamily="49" charset="0"/>
               </a:rPr>
               <a:t>    </a:t>
             </a:r>
             <a:r>
-              <a:rPr lang="en-US" sz="1700" dirty="0" err="1">
+              <a:rPr lang="en-US" sz="1800" dirty="0" err="1">
                 <a:latin typeface="Consolas" panose="020B0609020204030204" pitchFamily="49" charset="0"/>
               </a:rPr>
               <a:t>val</a:t>
             </a:r>
             <a:r>
-              <a:rPr lang="en-US" sz="1700" dirty="0">
+              <a:rPr lang="en-US" sz="1800" dirty="0">
                 <a:latin typeface="Consolas" panose="020B0609020204030204" pitchFamily="49" charset="0"/>
               </a:rPr>
               <a:t> </a:t>
             </a:r>
             <a:r>
-              <a:rPr lang="en-US" sz="1700" dirty="0" err="1">
+              <a:rPr lang="en-US" sz="1800" dirty="0" err="1">
                 <a:latin typeface="Consolas" panose="020B0609020204030204" pitchFamily="49" charset="0"/>
               </a:rPr>
               <a:t>errorMsg</a:t>
             </a:r>
             <a:r>
-              <a:rPr lang="en-US" sz="1700" dirty="0">
+              <a:rPr lang="en-US" sz="1800" dirty="0">
                 <a:latin typeface="Consolas" panose="020B0609020204030204" pitchFamily="49" charset="0"/>
               </a:rPr>
               <a:t> = "Identifier \"$</a:t>
             </a:r>
             <a:r>
-              <a:rPr lang="en-US" sz="1700" dirty="0" err="1">
+              <a:rPr lang="en-US" sz="1800" dirty="0" err="1">
                 <a:latin typeface="Consolas" panose="020B0609020204030204" pitchFamily="49" charset="0"/>
               </a:rPr>
               <a:t>idToken</a:t>
             </a:r>
             <a:r>
-              <a:rPr lang="en-US" sz="1700" dirty="0">
+              <a:rPr lang="en-US" sz="1800" dirty="0">
                 <a:latin typeface="Consolas" panose="020B0609020204030204" pitchFamily="49" charset="0"/>
               </a:rPr>
               <a:t>\" has" +</a:t>
             </a:r>
           </a:p>
           <a:p>
-            <a:pPr marL="457200" lvl="1" indent="0">
+            <a:pPr marL="182880" lvl="1" indent="0">
               <a:spcBef>
-                <a:spcPts val="200"/>
+                <a:spcPts val="100"/>
               </a:spcBef>
               <a:buNone/>
             </a:pPr>
             <a:r>
-              <a:rPr lang="en-US" sz="1700" dirty="0">
+              <a:rPr lang="en-US" sz="1800" dirty="0">
                 <a:latin typeface="Consolas" panose="020B0609020204030204" pitchFamily="49" charset="0"/>
               </a:rPr>
               <a:t>                   " not been declared."</a:t>
             </a:r>
           </a:p>
           <a:p>
-            <a:pPr marL="457200" lvl="1" indent="0">
+            <a:pPr marL="182880" lvl="1" indent="0">
               <a:spcBef>
-                <a:spcPts val="200"/>
+                <a:spcPts val="100"/>
               </a:spcBef>
               <a:buNone/>
             </a:pPr>
             <a:r>
-              <a:rPr lang="en-US" sz="1700" dirty="0">
+              <a:rPr lang="en-US" sz="1800" dirty="0">
                 <a:latin typeface="Consolas" panose="020B0609020204030204" pitchFamily="49" charset="0"/>
               </a:rPr>
               <a:t>    throw error(</a:t>
             </a:r>
             <a:r>
-              <a:rPr lang="en-US" sz="1700" dirty="0" err="1">
+              <a:rPr lang="en-US" sz="1800" dirty="0" err="1">
                 <a:latin typeface="Consolas" panose="020B0609020204030204" pitchFamily="49" charset="0"/>
               </a:rPr>
               <a:t>idToken.position</a:t>
             </a:r>
             <a:r>
-              <a:rPr lang="en-US" sz="1700" dirty="0">
+              <a:rPr lang="en-US" sz="1800" dirty="0">
                 <a:latin typeface="Consolas" panose="020B0609020204030204" pitchFamily="49" charset="0"/>
               </a:rPr>
               <a:t>, </a:t>
             </a:r>
             <a:r>
-              <a:rPr lang="en-US" sz="1700" dirty="0" err="1">
+              <a:rPr lang="en-US" sz="1800" dirty="0" err="1">
                 <a:latin typeface="Consolas" panose="020B0609020204030204" pitchFamily="49" charset="0"/>
               </a:rPr>
               <a:t>errorMsg</a:t>
             </a:r>
             <a:r>
-              <a:rPr lang="en-US" sz="1700" dirty="0">
+              <a:rPr lang="en-US" sz="1800" dirty="0">
                 <a:latin typeface="Consolas" panose="020B0609020204030204" pitchFamily="49" charset="0"/>
               </a:rPr>
               <a:t>)</a:t>
             </a:r>
           </a:p>
           <a:p>
-            <a:pPr marL="457200" lvl="1" indent="0">
+            <a:pPr marL="182880" lvl="1" indent="0">
               <a:spcBef>
-                <a:spcPts val="200"/>
+                <a:spcPts val="100"/>
               </a:spcBef>
               <a:buNone/>
             </a:pPr>
             <a:r>
-              <a:rPr lang="en-US" sz="1700" dirty="0">
+              <a:rPr lang="en-US" sz="1800" dirty="0">
                 <a:latin typeface="Consolas" panose="020B0609020204030204" pitchFamily="49" charset="0"/>
               </a:rPr>
               <a:t>  }</a:t>
             </a:r>
           </a:p>
           <a:p>
-            <a:pPr marL="457200" lvl="1" indent="0">
+            <a:pPr marL="182880" lvl="1" indent="0">
               <a:spcBef>
-                <a:spcPts val="200"/>
+                <a:spcPts val="100"/>
               </a:spcBef>
               <a:buNone/>
             </a:pPr>
             <a:r>
-              <a:rPr lang="en-US" sz="1700" dirty="0">
+              <a:rPr lang="en-US" sz="1800" dirty="0">
                 <a:latin typeface="Consolas" panose="020B0609020204030204" pitchFamily="49" charset="0"/>
               </a:rPr>
               <a:t>else if (</a:t>
             </a:r>
             <a:r>
-              <a:rPr lang="en-US" sz="1700" b="1" dirty="0" err="1">
+              <a:rPr lang="en-US" sz="1800" b="1" dirty="0" err="1">
                 <a:latin typeface="Consolas" panose="020B0609020204030204" pitchFamily="49" charset="0"/>
               </a:rPr>
               <a:t>decl</a:t>
             </a:r>
             <a:r>
-              <a:rPr lang="en-US" sz="1700" b="1" dirty="0">
+              <a:rPr lang="en-US" sz="1800" b="1" dirty="0">
                 <a:latin typeface="Consolas" panose="020B0609020204030204" pitchFamily="49" charset="0"/>
               </a:rPr>
               <a:t> !is </a:t>
             </a:r>
             <a:r>
-              <a:rPr lang="en-US" sz="1700" b="1" dirty="0" err="1">
+              <a:rPr lang="en-US" sz="1800" b="1" dirty="0" err="1">
                 <a:latin typeface="Consolas" panose="020B0609020204030204" pitchFamily="49" charset="0"/>
               </a:rPr>
               <a:t>VariableDecl</a:t>
             </a:r>
             <a:r>
-              <a:rPr lang="en-US" sz="1700" dirty="0">
+              <a:rPr lang="en-US" sz="1800" dirty="0">
                 <a:latin typeface="Consolas" panose="020B0609020204030204" pitchFamily="49" charset="0"/>
               </a:rPr>
               <a:t>)</a:t>
             </a:r>
           </a:p>
           <a:p>
-            <a:pPr marL="457200" lvl="1" indent="0">
+            <a:pPr marL="182880" lvl="1" indent="0">
               <a:spcBef>
-                <a:spcPts val="200"/>
+                <a:spcPts val="100"/>
               </a:spcBef>
               <a:buNone/>
             </a:pPr>
             <a:r>
-              <a:rPr lang="en-US" sz="1700" dirty="0">
+              <a:rPr lang="en-US" sz="1800" dirty="0">
                 <a:latin typeface="Consolas" panose="020B0609020204030204" pitchFamily="49" charset="0"/>
               </a:rPr>
               <a:t>  {</a:t>
             </a:r>
           </a:p>
           <a:p>
-            <a:pPr marL="457200" lvl="1" indent="0">
+            <a:pPr marL="182880" lvl="1" indent="0">
               <a:spcBef>
-                <a:spcPts val="200"/>
+                <a:spcPts val="100"/>
               </a:spcBef>
               <a:buNone/>
             </a:pPr>
             <a:r>
-              <a:rPr lang="en-US" sz="1700" dirty="0">
+              <a:rPr lang="en-US" sz="1800" dirty="0">
                 <a:latin typeface="Consolas" panose="020B0609020204030204" pitchFamily="49" charset="0"/>
               </a:rPr>
               <a:t>    </a:t>
             </a:r>
             <a:r>
-              <a:rPr lang="en-US" sz="1700" dirty="0" err="1">
+              <a:rPr lang="en-US" sz="1800" dirty="0" err="1">
                 <a:latin typeface="Consolas" panose="020B0609020204030204" pitchFamily="49" charset="0"/>
               </a:rPr>
               <a:t>val</a:t>
             </a:r>
             <a:r>
-              <a:rPr lang="en-US" sz="1700" dirty="0">
+              <a:rPr lang="en-US" sz="1800" dirty="0">
                 <a:latin typeface="Consolas" panose="020B0609020204030204" pitchFamily="49" charset="0"/>
               </a:rPr>
               <a:t> </a:t>
             </a:r>
             <a:r>
-              <a:rPr lang="en-US" sz="1700" dirty="0" err="1">
+              <a:rPr lang="en-US" sz="1800" dirty="0" err="1">
                 <a:latin typeface="Consolas" panose="020B0609020204030204" pitchFamily="49" charset="0"/>
               </a:rPr>
               <a:t>errorMsg</a:t>
             </a:r>
             <a:r>
-              <a:rPr lang="en-US" sz="1700" dirty="0">
+              <a:rPr lang="en-US" sz="1800" dirty="0">
                 <a:latin typeface="Consolas" panose="020B0609020204030204" pitchFamily="49" charset="0"/>
               </a:rPr>
               <a:t> = "Identifier \"$</a:t>
             </a:r>
             <a:r>
-              <a:rPr lang="en-US" sz="1700" dirty="0" err="1">
+              <a:rPr lang="en-US" sz="1800" dirty="0" err="1">
                 <a:latin typeface="Consolas" panose="020B0609020204030204" pitchFamily="49" charset="0"/>
               </a:rPr>
               <a:t>idToken</a:t>
             </a:r>
             <a:r>
-              <a:rPr lang="en-US" sz="1700" dirty="0">
+              <a:rPr lang="en-US" sz="1800" dirty="0">
                 <a:latin typeface="Consolas" panose="020B0609020204030204" pitchFamily="49" charset="0"/>
               </a:rPr>
               <a:t>\" is not a variable."</a:t>
             </a:r>
           </a:p>
           <a:p>
-            <a:pPr marL="457200" lvl="1" indent="0">
+            <a:pPr marL="182880" lvl="1" indent="0">
               <a:spcBef>
-                <a:spcPts val="200"/>
+                <a:spcPts val="100"/>
               </a:spcBef>
               <a:buNone/>
             </a:pPr>
             <a:r>
-              <a:rPr lang="en-US" sz="1700" dirty="0">
+              <a:rPr lang="en-US" sz="1800" dirty="0">
                 <a:latin typeface="Consolas" panose="020B0609020204030204" pitchFamily="49" charset="0"/>
               </a:rPr>
               <a:t>    throw error(</a:t>
             </a:r>
             <a:r>
-              <a:rPr lang="en-US" sz="1700" dirty="0" err="1">
+              <a:rPr lang="en-US" sz="1800" dirty="0" err="1">
                 <a:latin typeface="Consolas" panose="020B0609020204030204" pitchFamily="49" charset="0"/>
               </a:rPr>
               <a:t>idToken.position</a:t>
             </a:r>
             <a:r>
-              <a:rPr lang="en-US" sz="1700" dirty="0">
+              <a:rPr lang="en-US" sz="1800" dirty="0">
                 <a:latin typeface="Consolas" panose="020B0609020204030204" pitchFamily="49" charset="0"/>
               </a:rPr>
               <a:t>, </a:t>
             </a:r>
             <a:r>
-              <a:rPr lang="en-US" sz="1700" dirty="0" err="1">
+              <a:rPr lang="en-US" sz="1800" dirty="0" err="1">
                 <a:latin typeface="Consolas" panose="020B0609020204030204" pitchFamily="49" charset="0"/>
               </a:rPr>
               <a:t>errorMsg</a:t>
             </a:r>
             <a:r>
-              <a:rPr lang="en-US" sz="1700" dirty="0">
+              <a:rPr lang="en-US" sz="1800" dirty="0">
                 <a:latin typeface="Consolas" panose="020B0609020204030204" pitchFamily="49" charset="0"/>
               </a:rPr>
               <a:t>)</a:t>
             </a:r>
           </a:p>
           <a:p>
-            <a:pPr marL="457200" lvl="1" indent="0">
+            <a:pPr marL="182880" lvl="1" indent="0">
               <a:spcBef>
-                <a:spcPts val="200"/>
+                <a:spcPts val="100"/>
               </a:spcBef>
               <a:buNone/>
             </a:pPr>
             <a:r>
-              <a:rPr lang="en-US" sz="1700" dirty="0">
+              <a:rPr lang="en-US" sz="1800" dirty="0">
                 <a:latin typeface="Consolas" panose="020B0609020204030204" pitchFamily="49" charset="0"/>
               </a:rPr>
               <a:t>  }</a:t>
@@ -18453,7 +18508,7 @@
           <a:p>
             <a:r>
               <a:rPr lang="en-US" dirty="0"/>
-              <a:t>We create an AST node for an assignment statement with the following structure:</a:t>
+              <a:t>We create an AST node for an assignment statement with the following structure.</a:t>
             </a:r>
           </a:p>
         </p:txBody>
@@ -21674,7 +21729,7 @@
         </p:nvSpPr>
         <p:spPr>
           <a:xfrm>
-            <a:off x="2075868" y="3657600"/>
+            <a:off x="2075868" y="3790890"/>
             <a:ext cx="4992264" cy="400110"/>
           </a:xfrm>
           <a:prstGeom prst="rect">
@@ -25299,7 +25354,7 @@
           <a:p>
             <a:r>
               <a:rPr lang="en-US" dirty="0"/>
-              <a:t>Consider the following declarations:</a:t>
+              <a:t>Consider the following declarations.</a:t>
             </a:r>
           </a:p>
           <a:p>
@@ -25307,19 +25362,19 @@
               <a:buNone/>
             </a:pPr>
             <a:r>
-              <a:rPr lang="en-US" dirty="0">
+              <a:rPr lang="en-US" sz="1800" dirty="0">
                 <a:latin typeface="Consolas" panose="020B0609020204030204" pitchFamily="49" charset="0"/>
               </a:rPr>
               <a:t>type </a:t>
             </a:r>
             <a:r>
-              <a:rPr lang="en-US" dirty="0" err="1">
+              <a:rPr lang="en-US" sz="1800" dirty="0" err="1">
                 <a:latin typeface="Consolas" panose="020B0609020204030204" pitchFamily="49" charset="0"/>
               </a:rPr>
               <a:t>MonthName</a:t>
             </a:r>
             <a:r>
-              <a:rPr lang="en-US" dirty="0">
+              <a:rPr lang="en-US" sz="1800" dirty="0">
                 <a:latin typeface="Consolas" panose="020B0609020204030204" pitchFamily="49" charset="0"/>
               </a:rPr>
               <a:t> = string[9];</a:t>
@@ -25327,10 +25382,13 @@
           </a:p>
           <a:p>
             <a:pPr marL="457200" lvl="1" indent="0">
-              <a:buNone/>
-            </a:pPr>
-            <a:r>
-              <a:rPr lang="en-US" dirty="0">
+              <a:spcBef>
+                <a:spcPts val="300"/>
+              </a:spcBef>
+              <a:buNone/>
+            </a:pPr>
+            <a:r>
+              <a:rPr lang="en-US" sz="1800" dirty="0">
                 <a:latin typeface="Consolas" panose="020B0609020204030204" pitchFamily="49" charset="0"/>
               </a:rPr>
               <a:t>type Month = record</a:t>
@@ -25338,10 +25396,13 @@
           </a:p>
           <a:p>
             <a:pPr marL="457200" lvl="1" indent="0">
-              <a:buNone/>
-            </a:pPr>
-            <a:r>
-              <a:rPr lang="en-US" dirty="0">
+              <a:spcBef>
+                <a:spcPts val="300"/>
+              </a:spcBef>
+              <a:buNone/>
+            </a:pPr>
+            <a:r>
+              <a:rPr lang="en-US" sz="1800" dirty="0">
                 <a:latin typeface="Consolas" panose="020B0609020204030204" pitchFamily="49" charset="0"/>
               </a:rPr>
               <a:t>  {</a:t>
@@ -25349,22 +25410,25 @@
           </a:p>
           <a:p>
             <a:pPr marL="457200" lvl="1" indent="0">
-              <a:buNone/>
-            </a:pPr>
-            <a:r>
-              <a:rPr lang="en-US" dirty="0">
+              <a:spcBef>
+                <a:spcPts val="300"/>
+              </a:spcBef>
+              <a:buNone/>
+            </a:pPr>
+            <a:r>
+              <a:rPr lang="en-US" sz="1800" dirty="0">
                 <a:latin typeface="Consolas" panose="020B0609020204030204" pitchFamily="49" charset="0"/>
               </a:rPr>
               <a:t>    name    : </a:t>
             </a:r>
             <a:r>
-              <a:rPr lang="en-US" dirty="0" err="1">
+              <a:rPr lang="en-US" sz="1800" dirty="0" err="1">
                 <a:latin typeface="Consolas" panose="020B0609020204030204" pitchFamily="49" charset="0"/>
               </a:rPr>
               <a:t>MonthName</a:t>
             </a:r>
             <a:r>
-              <a:rPr lang="en-US" dirty="0">
+              <a:rPr lang="en-US" sz="1800" dirty="0">
                 <a:latin typeface="Consolas" panose="020B0609020204030204" pitchFamily="49" charset="0"/>
               </a:rPr>
               <a:t>;</a:t>
@@ -25372,22 +25436,25 @@
           </a:p>
           <a:p>
             <a:pPr marL="457200" lvl="1" indent="0">
-              <a:buNone/>
-            </a:pPr>
-            <a:r>
-              <a:rPr lang="en-US" dirty="0">
+              <a:spcBef>
+                <a:spcPts val="300"/>
+              </a:spcBef>
+              <a:buNone/>
+            </a:pPr>
+            <a:r>
+              <a:rPr lang="en-US" sz="1800" dirty="0">
                 <a:latin typeface="Consolas" panose="020B0609020204030204" pitchFamily="49" charset="0"/>
               </a:rPr>
               <a:t>    </a:t>
             </a:r>
             <a:r>
-              <a:rPr lang="en-US" dirty="0" err="1">
+              <a:rPr lang="en-US" sz="1800" dirty="0" err="1">
                 <a:latin typeface="Consolas" panose="020B0609020204030204" pitchFamily="49" charset="0"/>
               </a:rPr>
               <a:t>maxDays</a:t>
             </a:r>
             <a:r>
-              <a:rPr lang="en-US" dirty="0">
+              <a:rPr lang="en-US" sz="1800" dirty="0">
                 <a:latin typeface="Consolas" panose="020B0609020204030204" pitchFamily="49" charset="0"/>
               </a:rPr>
               <a:t> : Integer;</a:t>
@@ -25395,10 +25462,13 @@
           </a:p>
           <a:p>
             <a:pPr marL="457200" lvl="1" indent="0">
-              <a:buNone/>
-            </a:pPr>
-            <a:r>
-              <a:rPr lang="en-US" dirty="0">
+              <a:spcBef>
+                <a:spcPts val="300"/>
+              </a:spcBef>
+              <a:buNone/>
+            </a:pPr>
+            <a:r>
+              <a:rPr lang="en-US" sz="1800" dirty="0">
                 <a:latin typeface="Consolas" panose="020B0609020204030204" pitchFamily="49" charset="0"/>
               </a:rPr>
               <a:t>  };</a:t>
@@ -25406,10 +25476,13 @@
           </a:p>
           <a:p>
             <a:pPr marL="457200" lvl="1" indent="0">
-              <a:buNone/>
-            </a:pPr>
-            <a:r>
-              <a:rPr lang="en-US" dirty="0">
+              <a:spcBef>
+                <a:spcPts val="300"/>
+              </a:spcBef>
+              <a:buNone/>
+            </a:pPr>
+            <a:r>
+              <a:rPr lang="en-US" sz="1800" dirty="0">
                 <a:latin typeface="Consolas" panose="020B0609020204030204" pitchFamily="49" charset="0"/>
               </a:rPr>
               <a:t>type Months = array[13] of Month; // 1 for "January"</a:t>
@@ -25417,10 +25490,13 @@
           </a:p>
           <a:p>
             <a:pPr marL="457200" lvl="1" indent="0">
-              <a:buNone/>
-            </a:pPr>
-            <a:r>
-              <a:rPr lang="en-US" dirty="0">
+              <a:spcBef>
+                <a:spcPts val="300"/>
+              </a:spcBef>
+              <a:buNone/>
+            </a:pPr>
+            <a:r>
+              <a:rPr lang="en-US" sz="1800" dirty="0">
                 <a:latin typeface="Consolas" panose="020B0609020204030204" pitchFamily="49" charset="0"/>
               </a:rPr>
               <a:t>var  months : Months;</a:t>
@@ -25907,226 +25983,240 @@
             </a:r>
           </a:p>
           <a:p>
-            <a:pPr marL="457200" lvl="1" indent="0">
-              <a:buNone/>
-            </a:pPr>
-            <a:r>
-              <a:rPr lang="en-US" sz="1750" dirty="0">
+            <a:pPr marL="438912" lvl="1" indent="0">
+              <a:buNone/>
+            </a:pPr>
+            <a:r>
+              <a:rPr lang="en-US" sz="1800" dirty="0">
                 <a:latin typeface="Consolas" panose="020B0609020204030204" pitchFamily="49" charset="0"/>
               </a:rPr>
               <a:t>for (expr in </a:t>
             </a:r>
             <a:r>
-              <a:rPr lang="en-US" sz="1750" dirty="0" err="1">
+              <a:rPr lang="en-US" sz="1800" dirty="0" err="1">
                 <a:latin typeface="Consolas" panose="020B0609020204030204" pitchFamily="49" charset="0"/>
               </a:rPr>
               <a:t>selectorExprs</a:t>
             </a:r>
             <a:r>
-              <a:rPr lang="en-US" sz="1750" dirty="0">
+              <a:rPr lang="en-US" sz="1800" dirty="0">
                 <a:latin typeface="Consolas" panose="020B0609020204030204" pitchFamily="49" charset="0"/>
               </a:rPr>
               <a:t>)</a:t>
             </a:r>
           </a:p>
           <a:p>
-            <a:pPr marL="457200" lvl="1" indent="0">
+            <a:pPr marL="438912" lvl="1" indent="0">
               <a:spcBef>
                 <a:spcPts val="100"/>
               </a:spcBef>
               <a:buNone/>
             </a:pPr>
             <a:r>
-              <a:rPr lang="en-US" sz="1750" dirty="0">
+              <a:rPr lang="en-US" sz="1800" dirty="0">
                 <a:latin typeface="Consolas" panose="020B0609020204030204" pitchFamily="49" charset="0"/>
               </a:rPr>
               <a:t>  {</a:t>
             </a:r>
           </a:p>
           <a:p>
-            <a:pPr marL="457200" lvl="1" indent="0">
+            <a:pPr marL="438912" lvl="1" indent="0">
               <a:spcBef>
                 <a:spcPts val="100"/>
               </a:spcBef>
               <a:buNone/>
             </a:pPr>
             <a:r>
-              <a:rPr lang="en-US" sz="1750" dirty="0">
+              <a:rPr lang="en-US" sz="1800" dirty="0">
                 <a:latin typeface="Consolas" panose="020B0609020204030204" pitchFamily="49" charset="0"/>
               </a:rPr>
               <a:t>    </a:t>
             </a:r>
             <a:r>
-              <a:rPr lang="en-US" sz="1750" dirty="0" err="1">
+              <a:rPr lang="en-US" sz="1800" dirty="0" err="1">
                 <a:latin typeface="Consolas" panose="020B0609020204030204" pitchFamily="49" charset="0"/>
               </a:rPr>
               <a:t>expr.checkConstraints</a:t>
             </a:r>
             <a:r>
-              <a:rPr lang="en-US" sz="1750" dirty="0">
+              <a:rPr lang="en-US" sz="1800" dirty="0">
                 <a:latin typeface="Consolas" panose="020B0609020204030204" pitchFamily="49" charset="0"/>
               </a:rPr>
               <a:t>()</a:t>
             </a:r>
           </a:p>
           <a:p>
-            <a:pPr marL="457200" lvl="1" indent="0">
+            <a:pPr marL="438912" lvl="1" indent="0">
               <a:spcBef>
                 <a:spcPts val="100"/>
               </a:spcBef>
               <a:buNone/>
             </a:pPr>
-            <a:endParaRPr lang="en-US" sz="1750" dirty="0">
+            <a:endParaRPr lang="en-US" sz="1800" dirty="0">
               <a:latin typeface="Consolas" panose="020B0609020204030204" pitchFamily="49" charset="0"/>
             </a:endParaRPr>
           </a:p>
           <a:p>
-            <a:pPr marL="457200" lvl="1" indent="0">
+            <a:pPr marL="438912" lvl="1" indent="0">
               <a:spcBef>
                 <a:spcPts val="100"/>
               </a:spcBef>
               <a:buNone/>
             </a:pPr>
             <a:r>
-              <a:rPr lang="en-US" sz="1750" dirty="0">
+              <a:rPr lang="en-US" sz="1800" dirty="0">
                 <a:latin typeface="Consolas" panose="020B0609020204030204" pitchFamily="49" charset="0"/>
               </a:rPr>
               <a:t>    if (type is </a:t>
             </a:r>
             <a:r>
-              <a:rPr lang="en-US" sz="1750" dirty="0" err="1">
+              <a:rPr lang="en-US" sz="1800" dirty="0" err="1">
                 <a:latin typeface="Consolas" panose="020B0609020204030204" pitchFamily="49" charset="0"/>
               </a:rPr>
               <a:t>ArrayType</a:t>
             </a:r>
             <a:r>
-              <a:rPr lang="en-US" sz="1750" dirty="0">
+              <a:rPr lang="en-US" sz="1800" dirty="0">
                 <a:latin typeface="Consolas" panose="020B0609020204030204" pitchFamily="49" charset="0"/>
               </a:rPr>
               <a:t>)</a:t>
             </a:r>
           </a:p>
           <a:p>
-            <a:pPr marL="457200" lvl="1" indent="0">
+            <a:pPr marL="438912" lvl="1" indent="0">
               <a:spcBef>
                 <a:spcPts val="100"/>
               </a:spcBef>
               <a:buNone/>
             </a:pPr>
             <a:r>
-              <a:rPr lang="en-US" sz="1750" dirty="0">
+              <a:rPr lang="en-US" sz="1800" dirty="0">
                 <a:latin typeface="Consolas" panose="020B0609020204030204" pitchFamily="49" charset="0"/>
               </a:rPr>
               <a:t>      {</a:t>
             </a:r>
           </a:p>
           <a:p>
-            <a:pPr marL="457200" lvl="1" indent="0">
+            <a:pPr marL="438912" lvl="1" indent="0">
               <a:spcBef>
                 <a:spcPts val="100"/>
               </a:spcBef>
               <a:buNone/>
             </a:pPr>
             <a:r>
-              <a:rPr lang="en-US" sz="1750" dirty="0">
-                <a:latin typeface="Consolas" panose="020B0609020204030204" pitchFamily="49" charset="0"/>
-              </a:rPr>
-              <a:t>        // change type to the element type of the array</a:t>
-            </a:r>
-          </a:p>
-          <a:p>
-            <a:pPr marL="457200" lvl="1" indent="0">
+              <a:rPr lang="en-US" sz="1800" dirty="0">
+                <a:latin typeface="Consolas" panose="020B0609020204030204" pitchFamily="49" charset="0"/>
+              </a:rPr>
+              <a:t>        // Applying the selector effectively changes the</a:t>
+            </a:r>
+          </a:p>
+          <a:p>
+            <a:pPr marL="438912" lvl="1" indent="0">
               <a:spcBef>
                 <a:spcPts val="100"/>
               </a:spcBef>
               <a:buNone/>
             </a:pPr>
             <a:r>
-              <a:rPr lang="en-US" sz="1750" dirty="0">
-                <a:latin typeface="Consolas" panose="020B0609020204030204" pitchFamily="49" charset="0"/>
-              </a:rPr>
-              <a:t>        </a:t>
-            </a:r>
-            <a:r>
-              <a:rPr lang="en-US" sz="1750" dirty="0" err="1">
-                <a:latin typeface="Consolas" panose="020B0609020204030204" pitchFamily="49" charset="0"/>
-              </a:rPr>
-              <a:t>val</a:t>
-            </a:r>
-            <a:r>
-              <a:rPr lang="en-US" sz="1750" dirty="0">
-                <a:latin typeface="Consolas" panose="020B0609020204030204" pitchFamily="49" charset="0"/>
-              </a:rPr>
-              <a:t> </a:t>
-            </a:r>
-            <a:r>
-              <a:rPr lang="en-US" sz="1750" dirty="0" err="1">
-                <a:latin typeface="Consolas" panose="020B0609020204030204" pitchFamily="49" charset="0"/>
-              </a:rPr>
-              <a:t>arrayType</a:t>
-            </a:r>
-            <a:r>
-              <a:rPr lang="en-US" sz="1750" dirty="0">
-                <a:latin typeface="Consolas" panose="020B0609020204030204" pitchFamily="49" charset="0"/>
-              </a:rPr>
-              <a:t> = type as </a:t>
-            </a:r>
-            <a:r>
-              <a:rPr lang="en-US" sz="1750" dirty="0" err="1">
-                <a:latin typeface="Consolas" panose="020B0609020204030204" pitchFamily="49" charset="0"/>
-              </a:rPr>
-              <a:t>ArrayType</a:t>
-            </a:r>
-            <a:endParaRPr lang="en-US" sz="1750" dirty="0">
-              <a:latin typeface="Consolas" panose="020B0609020204030204" pitchFamily="49" charset="0"/>
-            </a:endParaRPr>
-          </a:p>
-          <a:p>
-            <a:pPr marL="457200" lvl="1" indent="0">
+              <a:rPr lang="en-US" sz="1800" dirty="0">
+                <a:latin typeface="Consolas" panose="020B0609020204030204" pitchFamily="49" charset="0"/>
+              </a:rPr>
+              <a:t>        // variable's type to the element type of the array</a:t>
+            </a:r>
+          </a:p>
+          <a:p>
+            <a:pPr marL="438912" lvl="1" indent="0">
               <a:spcBef>
                 <a:spcPts val="100"/>
               </a:spcBef>
               <a:buNone/>
             </a:pPr>
             <a:r>
-              <a:rPr lang="en-US" sz="1750" dirty="0">
-                <a:latin typeface="Consolas" panose="020B0609020204030204" pitchFamily="49" charset="0"/>
-              </a:rPr>
-              <a:t>        type = </a:t>
-            </a:r>
-            <a:r>
-              <a:rPr lang="en-US" sz="1750" dirty="0" err="1">
-                <a:latin typeface="Consolas" panose="020B0609020204030204" pitchFamily="49" charset="0"/>
-              </a:rPr>
-              <a:t>arrayType.elementType</a:t>
-            </a:r>
-            <a:endParaRPr lang="en-US" sz="1750" dirty="0">
+              <a:rPr lang="en-US" sz="1800" dirty="0">
+                <a:latin typeface="Consolas" panose="020B0609020204030204" pitchFamily="49" charset="0"/>
+              </a:rPr>
+              <a:t>        </a:t>
+            </a:r>
+            <a:r>
+              <a:rPr lang="en-US" sz="1800" dirty="0" err="1">
+                <a:latin typeface="Consolas" panose="020B0609020204030204" pitchFamily="49" charset="0"/>
+              </a:rPr>
+              <a:t>val</a:t>
+            </a:r>
+            <a:r>
+              <a:rPr lang="en-US" sz="1800" dirty="0">
+                <a:latin typeface="Consolas" panose="020B0609020204030204" pitchFamily="49" charset="0"/>
+              </a:rPr>
+              <a:t> </a:t>
+            </a:r>
+            <a:r>
+              <a:rPr lang="en-US" sz="1800" dirty="0" err="1">
+                <a:latin typeface="Consolas" panose="020B0609020204030204" pitchFamily="49" charset="0"/>
+              </a:rPr>
+              <a:t>arrayType</a:t>
+            </a:r>
+            <a:r>
+              <a:rPr lang="en-US" sz="1800" dirty="0">
+                <a:latin typeface="Consolas" panose="020B0609020204030204" pitchFamily="49" charset="0"/>
+              </a:rPr>
+              <a:t> = type as </a:t>
+            </a:r>
+            <a:r>
+              <a:rPr lang="en-US" sz="1800" dirty="0" err="1">
+                <a:latin typeface="Consolas" panose="020B0609020204030204" pitchFamily="49" charset="0"/>
+              </a:rPr>
+              <a:t>ArrayType</a:t>
+            </a:r>
+            <a:endParaRPr lang="en-US" sz="1800" dirty="0">
               <a:latin typeface="Consolas" panose="020B0609020204030204" pitchFamily="49" charset="0"/>
             </a:endParaRPr>
           </a:p>
           <a:p>
-            <a:pPr marL="457200" lvl="1" indent="0">
+            <a:pPr marL="438912" lvl="1" indent="0">
               <a:spcBef>
                 <a:spcPts val="100"/>
               </a:spcBef>
               <a:buNone/>
             </a:pPr>
             <a:r>
-              <a:rPr lang="en-US" sz="1750" dirty="0">
-                <a:latin typeface="Consolas" panose="020B0609020204030204" pitchFamily="49" charset="0"/>
-              </a:rPr>
-              <a:t>        ...</a:t>
-            </a:r>
-          </a:p>
-          <a:p>
-            <a:pPr marL="457200" lvl="1" indent="0">
+              <a:rPr lang="en-US" sz="1800" dirty="0">
+                <a:latin typeface="Consolas" panose="020B0609020204030204" pitchFamily="49" charset="0"/>
+              </a:rPr>
+              <a:t>        type = </a:t>
+            </a:r>
+            <a:r>
+              <a:rPr lang="en-US" sz="1800" dirty="0" err="1">
+                <a:latin typeface="Consolas" panose="020B0609020204030204" pitchFamily="49" charset="0"/>
+              </a:rPr>
+              <a:t>arrayType.elementType</a:t>
+            </a:r>
+            <a:endParaRPr lang="en-US" sz="1800" dirty="0">
+              <a:latin typeface="Consolas" panose="020B0609020204030204" pitchFamily="49" charset="0"/>
+            </a:endParaRPr>
+          </a:p>
+          <a:p>
+            <a:pPr marL="438912" lvl="1" indent="0">
               <a:spcBef>
                 <a:spcPts val="100"/>
               </a:spcBef>
               <a:buNone/>
             </a:pPr>
             <a:r>
-              <a:rPr lang="en-US" sz="1750" dirty="0">
+              <a:rPr lang="en-US" sz="1800" dirty="0">
+                <a:latin typeface="Consolas" panose="020B0609020204030204" pitchFamily="49" charset="0"/>
+              </a:rPr>
+              <a:t>        ...</a:t>
+            </a:r>
+          </a:p>
+          <a:p>
+            <a:pPr marL="438912" lvl="1" indent="0">
+              <a:spcBef>
+                <a:spcPts val="100"/>
+              </a:spcBef>
+              <a:buNone/>
+            </a:pPr>
+            <a:r>
+              <a:rPr lang="en-US" sz="1800" dirty="0">
                 <a:latin typeface="Consolas" panose="020B0609020204030204" pitchFamily="49" charset="0"/>
               </a:rPr>
               <a:t>      }</a:t>
@@ -26335,328 +26425,333 @@
             <p:ph idx="1"/>
           </p:nvPr>
         </p:nvSpPr>
-        <p:spPr/>
-        <p:txBody>
-          <a:bodyPr/>
-          <a:lstStyle/>
-          <a:p>
-            <a:pPr marL="457200" lvl="1" indent="0">
+        <p:spPr>
+          <a:xfrm>
+            <a:off x="458787" y="1363663"/>
+            <a:ext cx="8321040" cy="4935537"/>
+          </a:xfrm>
+        </p:spPr>
+        <p:txBody>
+          <a:bodyPr/>
+          <a:lstStyle/>
+          <a:p>
+            <a:pPr marL="438912" lvl="1" indent="0">
               <a:spcBef>
                 <a:spcPts val="100"/>
               </a:spcBef>
               <a:buNone/>
             </a:pPr>
             <a:r>
-              <a:rPr lang="en-US" sz="1750" dirty="0">
+              <a:rPr lang="en-US" sz="1800" dirty="0">
                 <a:latin typeface="Consolas" panose="020B0609020204030204" pitchFamily="49" charset="0"/>
               </a:rPr>
               <a:t>    else if (type is </a:t>
             </a:r>
             <a:r>
-              <a:rPr lang="en-US" sz="1750" dirty="0" err="1">
+              <a:rPr lang="en-US" sz="1800" dirty="0" err="1">
                 <a:latin typeface="Consolas" panose="020B0609020204030204" pitchFamily="49" charset="0"/>
               </a:rPr>
               <a:t>RecordType</a:t>
             </a:r>
             <a:r>
-              <a:rPr lang="en-US" sz="1750" dirty="0">
+              <a:rPr lang="en-US" sz="1800" dirty="0">
                 <a:latin typeface="Consolas" panose="020B0609020204030204" pitchFamily="49" charset="0"/>
               </a:rPr>
               <a:t>)</a:t>
             </a:r>
           </a:p>
           <a:p>
-            <a:pPr marL="457200" lvl="1" indent="0">
+            <a:pPr marL="438912" lvl="1" indent="0">
               <a:spcBef>
                 <a:spcPts val="100"/>
               </a:spcBef>
               <a:buNone/>
             </a:pPr>
             <a:r>
-              <a:rPr lang="en-US" sz="1750" dirty="0">
+              <a:rPr lang="en-US" sz="1800" dirty="0">
                 <a:latin typeface="Consolas" panose="020B0609020204030204" pitchFamily="49" charset="0"/>
               </a:rPr>
               <a:t>      {</a:t>
             </a:r>
           </a:p>
           <a:p>
-            <a:pPr marL="457200" lvl="1" indent="0">
+            <a:pPr marL="438912" lvl="1" indent="0">
               <a:spcBef>
                 <a:spcPts val="100"/>
               </a:spcBef>
               <a:buNone/>
             </a:pPr>
             <a:r>
-              <a:rPr lang="en-US" sz="1750" dirty="0">
+              <a:rPr lang="en-US" sz="1800" dirty="0">
                 <a:latin typeface="Consolas" panose="020B0609020204030204" pitchFamily="49" charset="0"/>
               </a:rPr>
               <a:t>        // change type to the type of the field</a:t>
             </a:r>
           </a:p>
           <a:p>
-            <a:pPr marL="457200" lvl="1" indent="0">
+            <a:pPr marL="438912" lvl="1" indent="0">
               <a:spcBef>
                 <a:spcPts val="100"/>
               </a:spcBef>
               <a:buNone/>
             </a:pPr>
             <a:r>
-              <a:rPr lang="en-US" sz="1750" dirty="0">
+              <a:rPr lang="en-US" sz="1800" dirty="0">
                 <a:latin typeface="Consolas" panose="020B0609020204030204" pitchFamily="49" charset="0"/>
               </a:rPr>
               <a:t>        ...</a:t>
             </a:r>
           </a:p>
           <a:p>
-            <a:pPr marL="457200" lvl="1" indent="0">
+            <a:pPr marL="438912" lvl="1" indent="0">
               <a:spcBef>
                 <a:spcPts val="100"/>
               </a:spcBef>
               <a:buNone/>
             </a:pPr>
             <a:r>
-              <a:rPr lang="en-US" sz="1750" dirty="0">
+              <a:rPr lang="en-US" sz="1800" dirty="0">
                 <a:latin typeface="Consolas" panose="020B0609020204030204" pitchFamily="49" charset="0"/>
               </a:rPr>
               <a:t>      }</a:t>
             </a:r>
           </a:p>
           <a:p>
-            <a:pPr marL="457200" lvl="1" indent="0">
+            <a:pPr marL="438912" lvl="1" indent="0">
               <a:spcBef>
                 <a:spcPts val="100"/>
               </a:spcBef>
               <a:buNone/>
             </a:pPr>
             <a:r>
-              <a:rPr lang="en-US" sz="1750" dirty="0">
+              <a:rPr lang="en-US" sz="1800" dirty="0">
                 <a:latin typeface="Consolas" panose="020B0609020204030204" pitchFamily="49" charset="0"/>
               </a:rPr>
               <a:t>    else if (type is </a:t>
             </a:r>
             <a:r>
-              <a:rPr lang="en-US" sz="1750" dirty="0" err="1">
+              <a:rPr lang="en-US" sz="1800" dirty="0" err="1">
                 <a:latin typeface="Consolas" panose="020B0609020204030204" pitchFamily="49" charset="0"/>
               </a:rPr>
               <a:t>StringType</a:t>
             </a:r>
             <a:r>
-              <a:rPr lang="en-US" sz="1750" dirty="0">
+              <a:rPr lang="en-US" sz="1800" dirty="0">
                 <a:latin typeface="Consolas" panose="020B0609020204030204" pitchFamily="49" charset="0"/>
               </a:rPr>
               <a:t>)</a:t>
             </a:r>
           </a:p>
           <a:p>
-            <a:pPr marL="457200" lvl="1" indent="0">
+            <a:pPr marL="438912" lvl="1" indent="0">
               <a:spcBef>
                 <a:spcPts val="100"/>
               </a:spcBef>
               <a:buNone/>
             </a:pPr>
             <a:r>
-              <a:rPr lang="en-US" sz="1750" dirty="0">
+              <a:rPr lang="en-US" sz="1800" dirty="0">
                 <a:latin typeface="Consolas" panose="020B0609020204030204" pitchFamily="49" charset="0"/>
               </a:rPr>
               <a:t>      {</a:t>
             </a:r>
           </a:p>
           <a:p>
-            <a:pPr marL="457200" lvl="1" indent="0">
+            <a:pPr marL="438912" lvl="1" indent="0">
               <a:spcBef>
                 <a:spcPts val="100"/>
               </a:spcBef>
               <a:buNone/>
             </a:pPr>
             <a:r>
-              <a:rPr lang="en-US" sz="1750" dirty="0">
+              <a:rPr lang="en-US" sz="1800" dirty="0">
                 <a:latin typeface="Consolas" panose="020B0609020204030204" pitchFamily="49" charset="0"/>
               </a:rPr>
               <a:t>        // Selector can be field expression .length (Integer)</a:t>
             </a:r>
           </a:p>
           <a:p>
-            <a:pPr marL="457200" lvl="1" indent="0">
+            <a:pPr marL="438912" lvl="1" indent="0">
               <a:spcBef>
                 <a:spcPts val="100"/>
               </a:spcBef>
               <a:buNone/>
             </a:pPr>
             <a:r>
-              <a:rPr lang="en-US" sz="1750" dirty="0">
+              <a:rPr lang="en-US" sz="1800" dirty="0">
                 <a:latin typeface="Consolas" panose="020B0609020204030204" pitchFamily="49" charset="0"/>
               </a:rPr>
               <a:t>        // or an index expression for the characters (Char).</a:t>
             </a:r>
           </a:p>
           <a:p>
-            <a:pPr marL="457200" lvl="1" indent="0">
+            <a:pPr marL="438912" lvl="1" indent="0">
               <a:spcBef>
                 <a:spcPts val="100"/>
               </a:spcBef>
               <a:buNone/>
             </a:pPr>
             <a:r>
-              <a:rPr lang="en-US" sz="1750" dirty="0">
+              <a:rPr lang="en-US" sz="1800" dirty="0">
                 <a:latin typeface="Consolas" panose="020B0609020204030204" pitchFamily="49" charset="0"/>
               </a:rPr>
               <a:t>        ...</a:t>
             </a:r>
           </a:p>
           <a:p>
-            <a:pPr marL="457200" lvl="1" indent="0">
+            <a:pPr marL="438912" lvl="1" indent="0">
               <a:spcBef>
                 <a:spcPts val="100"/>
               </a:spcBef>
               <a:buNone/>
             </a:pPr>
             <a:r>
-              <a:rPr lang="en-US" sz="1750" dirty="0">
+              <a:rPr lang="en-US" sz="1800" dirty="0">
                 <a:latin typeface="Consolas" panose="020B0609020204030204" pitchFamily="49" charset="0"/>
               </a:rPr>
               <a:t>      }</a:t>
             </a:r>
           </a:p>
           <a:p>
-            <a:pPr marL="457200" lvl="1" indent="0">
+            <a:pPr marL="438912" lvl="1" indent="0">
               <a:spcBef>
                 <a:spcPts val="100"/>
               </a:spcBef>
               <a:buNone/>
             </a:pPr>
             <a:r>
-              <a:rPr lang="en-US" sz="1750" dirty="0">
+              <a:rPr lang="en-US" sz="1800" dirty="0">
                 <a:latin typeface="Consolas" panose="020B0609020204030204" pitchFamily="49" charset="0"/>
               </a:rPr>
               <a:t>    else</a:t>
             </a:r>
           </a:p>
           <a:p>
-            <a:pPr marL="457200" lvl="1" indent="0">
+            <a:pPr marL="438912" lvl="1" indent="0">
               <a:spcBef>
                 <a:spcPts val="100"/>
               </a:spcBef>
               <a:buNone/>
             </a:pPr>
             <a:r>
-              <a:rPr lang="en-US" sz="1750" dirty="0">
+              <a:rPr lang="en-US" sz="1800" dirty="0">
                 <a:latin typeface="Consolas" panose="020B0609020204030204" pitchFamily="49" charset="0"/>
               </a:rPr>
               <a:t>      {</a:t>
             </a:r>
           </a:p>
           <a:p>
-            <a:pPr marL="457200" lvl="1" indent="0">
+            <a:pPr marL="438912" lvl="1" indent="0">
               <a:spcBef>
                 <a:spcPts val="100"/>
               </a:spcBef>
               <a:buNone/>
             </a:pPr>
             <a:r>
-              <a:rPr lang="en-US" sz="1750" dirty="0">
+              <a:rPr lang="en-US" sz="1800" dirty="0">
                 <a:latin typeface="Consolas" panose="020B0609020204030204" pitchFamily="49" charset="0"/>
               </a:rPr>
               <a:t>        </a:t>
             </a:r>
             <a:r>
-              <a:rPr lang="en-US" sz="1750" dirty="0" err="1">
+              <a:rPr lang="en-US" sz="1800" dirty="0" err="1">
                 <a:latin typeface="Consolas" panose="020B0609020204030204" pitchFamily="49" charset="0"/>
               </a:rPr>
               <a:t>val</a:t>
             </a:r>
             <a:r>
-              <a:rPr lang="en-US" sz="1750" dirty="0">
+              <a:rPr lang="en-US" sz="1800" dirty="0">
                 <a:latin typeface="Consolas" panose="020B0609020204030204" pitchFamily="49" charset="0"/>
               </a:rPr>
               <a:t> </a:t>
             </a:r>
             <a:r>
-              <a:rPr lang="en-US" sz="1750" dirty="0" err="1">
+              <a:rPr lang="en-US" sz="1800" dirty="0" err="1">
                 <a:latin typeface="Consolas" panose="020B0609020204030204" pitchFamily="49" charset="0"/>
               </a:rPr>
               <a:t>errorMsg</a:t>
             </a:r>
             <a:r>
-              <a:rPr lang="en-US" sz="1750" dirty="0">
+              <a:rPr lang="en-US" sz="1800" dirty="0">
                 <a:latin typeface="Consolas" panose="020B0609020204030204" pitchFamily="49" charset="0"/>
               </a:rPr>
               <a:t> = "Selector expression not allowed ..."</a:t>
             </a:r>
           </a:p>
           <a:p>
-            <a:pPr marL="457200" lvl="1" indent="0">
+            <a:pPr marL="438912" lvl="1" indent="0">
               <a:spcBef>
                 <a:spcPts val="100"/>
               </a:spcBef>
               <a:buNone/>
             </a:pPr>
             <a:r>
-              <a:rPr lang="en-US" sz="1750" dirty="0">
+              <a:rPr lang="en-US" sz="1800" dirty="0">
                 <a:latin typeface="Consolas" panose="020B0609020204030204" pitchFamily="49" charset="0"/>
               </a:rPr>
               <a:t>        throw error(</a:t>
             </a:r>
             <a:r>
-              <a:rPr lang="en-US" sz="1750" dirty="0" err="1">
+              <a:rPr lang="en-US" sz="1800" dirty="0" err="1">
                 <a:latin typeface="Consolas" panose="020B0609020204030204" pitchFamily="49" charset="0"/>
               </a:rPr>
               <a:t>expr.position</a:t>
             </a:r>
             <a:r>
-              <a:rPr lang="en-US" sz="1750" dirty="0">
+              <a:rPr lang="en-US" sz="1800" dirty="0">
                 <a:latin typeface="Consolas" panose="020B0609020204030204" pitchFamily="49" charset="0"/>
               </a:rPr>
               <a:t>, </a:t>
             </a:r>
             <a:r>
-              <a:rPr lang="en-US" sz="1750" dirty="0" err="1">
+              <a:rPr lang="en-US" sz="1800" dirty="0" err="1">
                 <a:latin typeface="Consolas" panose="020B0609020204030204" pitchFamily="49" charset="0"/>
               </a:rPr>
               <a:t>errorMsg</a:t>
             </a:r>
             <a:r>
-              <a:rPr lang="en-US" sz="1750" dirty="0">
+              <a:rPr lang="en-US" sz="1800" dirty="0">
                 <a:latin typeface="Consolas" panose="020B0609020204030204" pitchFamily="49" charset="0"/>
               </a:rPr>
               <a:t>)</a:t>
             </a:r>
           </a:p>
           <a:p>
-            <a:pPr marL="457200" lvl="1" indent="0">
+            <a:pPr marL="438912" lvl="1" indent="0">
               <a:spcBef>
                 <a:spcPts val="100"/>
               </a:spcBef>
               <a:buNone/>
             </a:pPr>
             <a:r>
-              <a:rPr lang="en-US" sz="1750" dirty="0">
+              <a:rPr lang="en-US" sz="1800" dirty="0">
                 <a:latin typeface="Consolas" panose="020B0609020204030204" pitchFamily="49" charset="0"/>
               </a:rPr>
               <a:t>      }</a:t>
             </a:r>
           </a:p>
           <a:p>
-            <a:pPr marL="457200" lvl="1" indent="0">
+            <a:pPr marL="438912" lvl="1" indent="0">
               <a:spcBef>
                 <a:spcPts val="100"/>
               </a:spcBef>
               <a:buNone/>
             </a:pPr>
             <a:r>
-              <a:rPr lang="en-US" sz="1750" dirty="0">
+              <a:rPr lang="en-US" sz="1800" dirty="0">
                 <a:latin typeface="Consolas" panose="020B0609020204030204" pitchFamily="49" charset="0"/>
               </a:rPr>
               <a:t>  }</a:t>
             </a:r>
           </a:p>
           <a:p>
-            <a:pPr marL="457200" lvl="1" indent="0">
+            <a:pPr marL="438912" lvl="1" indent="0">
               <a:spcBef>
                 <a:spcPts val="200"/>
               </a:spcBef>
               <a:buNone/>
             </a:pPr>
-            <a:endParaRPr lang="en-US" sz="1750" dirty="0">
+            <a:endParaRPr lang="en-US" sz="1800" dirty="0">
               <a:latin typeface="Consolas" panose="020B0609020204030204" pitchFamily="49" charset="0"/>
             </a:endParaRPr>
           </a:p>
@@ -26807,7 +26902,7 @@
             </a:pPr>
             <a:r>
               <a:rPr lang="en-US" dirty="0"/>
-              <a:t>Consider the following grammar for a loop statement:</a:t>
+              <a:t>Consider the rule for a loop statement.</a:t>
             </a:r>
           </a:p>
           <a:p>
@@ -26850,15 +26945,7 @@
           <a:p>
             <a:r>
               <a:rPr lang="en-US" dirty="0"/>
-              <a:t>Once a loop statement has been parsed, we don’t need to retain </a:t>
-            </a:r>
-            <a:r>
-              <a:rPr lang="en-US"/>
-              <a:t>the terminal </a:t>
-            </a:r>
-            <a:r>
-              <a:rPr lang="en-US" dirty="0"/>
-              <a:t>symbols.  The AST for a loop statement would contain only the statements in the body of the loop and the optional boolean expression (e.g., the reference to the boolean expression could be null).</a:t>
+              <a:t>Once a loop statement has been parsed, we don’t need to retain the terminal symbols.  The AST for a loop statement would contain only the statements in the body of the loop and the optional boolean expression (e.g., the reference to the boolean expression could be null).</a:t>
             </a:r>
           </a:p>
           <a:p>

--- a/PowerPoints/08 - Abstract Syntax Trees.pptx
+++ b/PowerPoints/08 - Abstract Syntax Trees.pptx
@@ -8288,13 +8288,7 @@
             </a:r>
             <a:r>
               <a:rPr lang="en-US" dirty="0"/>
-              <a:t> are special cases.</a:t>
-            </a:r>
-          </a:p>
-          <a:p>
-            <a:r>
-              <a:rPr lang="en-US" dirty="0"/>
-              <a:t>We return an instance of a single AST class </a:t>
+              <a:t> are special cases.  We return an instance of a single AST class </a:t>
             </a:r>
             <a:r>
               <a:rPr lang="en-US" dirty="0">
@@ -15201,17 +15195,6 @@
               </a:spcBef>
               <a:buNone/>
             </a:pPr>
-            <a:endParaRPr lang="en-US" sz="1800" dirty="0">
-              <a:latin typeface="Consolas" panose="020B0609020204030204" pitchFamily="49" charset="0"/>
-            </a:endParaRPr>
-          </a:p>
-          <a:p>
-            <a:pPr marL="182880" indent="0">
-              <a:spcBef>
-                <a:spcPts val="200"/>
-              </a:spcBef>
-              <a:buNone/>
-            </a:pPr>
             <a:r>
               <a:rPr lang="en-US" sz="1800" dirty="0">
                 <a:latin typeface="Consolas" panose="020B0609020204030204" pitchFamily="49" charset="0"/>
@@ -20903,13 +20886,13 @@
           <a:lstStyle/>
           <a:p>
             <a:r>
-              <a:rPr lang="en-US" dirty="0"/>
-              <a:t>AST classes often contain fields or lists of fields that reference instances of other AST classes, and most such references correspond to the edges of the “tree”.  Most of these structural (edge) references are created by the parser when parsing nonterminal symbols.</a:t>
-            </a:r>
-          </a:p>
-          <a:p>
-            <a:r>
-              <a:rPr lang="en-US" dirty="0"/>
+              <a:rPr lang="en-US" sz="2350" dirty="0"/>
+              <a:t>AST classes often contain properties or lists of properties that reference instances of other AST classes, and most such references correspond to the edges of the “tree”.  Most of these structural (edge) references are created by the parser when parsing nonterminal symbols.</a:t>
+            </a:r>
+          </a:p>
+          <a:p>
+            <a:r>
+              <a:rPr lang="en-US" sz="2350" dirty="0"/>
               <a:t>Examples</a:t>
             </a:r>
           </a:p>
@@ -29178,7 +29161,7 @@
         <p:spPr>
           <a:xfrm>
             <a:off x="458788" y="1363663"/>
-            <a:ext cx="8503920" cy="4935537"/>
+            <a:ext cx="8229600" cy="4935537"/>
           </a:xfrm>
         </p:spPr>
         <p:txBody>
@@ -29278,18 +29261,6 @@
               </a:rPr>
               <a:t>EmptyStatement</a:t>
             </a:r>
-            <a:endParaRPr lang="en-US" sz="1800" dirty="0">
-              <a:latin typeface="Consolas" pitchFamily="49" charset="0"/>
-              <a:cs typeface="Consolas" pitchFamily="49" charset="0"/>
-            </a:endParaRPr>
-          </a:p>
-          <a:p>
-            <a:pPr marL="182880" indent="0">
-              <a:spcBef>
-                <a:spcPts val="200"/>
-              </a:spcBef>
-              <a:buNone/>
-            </a:pPr>
             <a:endParaRPr lang="en-US" sz="1800" dirty="0">
               <a:latin typeface="Consolas" pitchFamily="49" charset="0"/>
               <a:cs typeface="Consolas" pitchFamily="49" charset="0"/>

--- a/PowerPoints/08 - Abstract Syntax Trees.pptx
+++ b/PowerPoints/08 - Abstract Syntax Trees.pptx
@@ -1,6 +1,6 @@
 
 <file path=ppt/presentation.xml><?xml version="1.0" encoding="utf-8"?>
-<p:presentation xmlns:a="http://schemas.openxmlformats.org/drawingml/2006/main" xmlns:r="http://schemas.openxmlformats.org/officeDocument/2006/relationships" xmlns:p="http://schemas.openxmlformats.org/presentationml/2006/main" saveSubsetFonts="1">
+<p:presentation xmlns:a="http://schemas.openxmlformats.org/drawingml/2006/main" xmlns:r="http://schemas.openxmlformats.org/officeDocument/2006/relationships" xmlns:p="http://schemas.openxmlformats.org/presentationml/2006/main" saveSubsetFonts="1" autoCompressPictures="0">
   <p:sldMasterIdLst>
     <p:sldMasterId id="2147483651" r:id="rId1"/>
   </p:sldMasterIdLst>
@@ -8785,8 +8785,12 @@
           <a:lstStyle/>
           <a:p>
             <a:r>
-              <a:rPr lang="en-US" dirty="0"/>
-              <a:t>Partial AST Inheritance Diagram</a:t>
+              <a:rPr lang="en-US" b="1" dirty="0"/>
+              <a:t>Partial</a:t>
+            </a:r>
+            <a:r>
+              <a:rPr lang="en-US" dirty="0"/>
+              <a:t> AST Inheritance Diagram</a:t>
             </a:r>
             <a:br>
               <a:rPr lang="en-US" dirty="0"/>
@@ -17034,6 +17038,175 @@
           </a:p>
         </p:txBody>
       </p:sp>
+      <p:sp>
+        <p:nvSpPr>
+          <p:cNvPr id="2" name="TextBox 1">
+            <a:extLst>
+              <a:ext uri="{FF2B5EF4-FFF2-40B4-BE49-F238E27FC236}">
+                <a16:creationId xmlns:a16="http://schemas.microsoft.com/office/drawing/2014/main" id="{EA650E03-9875-FFA4-F46E-4B9E3796AAAC}"/>
+              </a:ext>
+            </a:extLst>
+          </p:cNvPr>
+          <p:cNvSpPr txBox="1"/>
+          <p:nvPr/>
+        </p:nvSpPr>
+        <p:spPr>
+          <a:xfrm>
+            <a:off x="5715000" y="1501914"/>
+            <a:ext cx="2770823" cy="646331"/>
+          </a:xfrm>
+          <a:prstGeom prst="rect">
+            <a:avLst/>
+          </a:prstGeom>
+          <a:noFill/>
+          <a:ln>
+            <a:solidFill>
+              <a:schemeClr val="tx1"/>
+            </a:solidFill>
+          </a:ln>
+        </p:spPr>
+        <p:txBody>
+          <a:bodyPr wrap="none" rtlCol="0">
+            <a:spAutoFit/>
+          </a:bodyPr>
+          <a:lstStyle/>
+          <a:p>
+            <a:pPr algn="l"/>
+            <a:r>
+              <a:rPr lang="en-US" sz="1800" dirty="0"/>
+              <a:t>Called by </a:t>
+            </a:r>
+            <a:r>
+              <a:rPr lang="en-US" sz="1800" dirty="0" err="1"/>
+              <a:t>parseVariable</a:t>
+            </a:r>
+            <a:r>
+              <a:rPr lang="en-US" sz="1800" dirty="0"/>
+              <a:t>()</a:t>
+            </a:r>
+          </a:p>
+          <a:p>
+            <a:pPr algn="l"/>
+            <a:r>
+              <a:rPr lang="en-US" sz="1800" dirty="0"/>
+              <a:t>and </a:t>
+            </a:r>
+            <a:r>
+              <a:rPr lang="en-US" sz="1800" dirty="0" err="1"/>
+              <a:t>parseVariableExpr</a:t>
+            </a:r>
+            <a:r>
+              <a:rPr lang="en-US" sz="1800" dirty="0"/>
+              <a:t>()</a:t>
+            </a:r>
+          </a:p>
+        </p:txBody>
+      </p:sp>
+      <p:sp>
+        <p:nvSpPr>
+          <p:cNvPr id="3" name="Diamond 2">
+            <a:extLst>
+              <a:ext uri="{FF2B5EF4-FFF2-40B4-BE49-F238E27FC236}">
+                <a16:creationId xmlns:a16="http://schemas.microsoft.com/office/drawing/2014/main" id="{11447E18-3AC5-641A-1980-C46C7179B36D}"/>
+              </a:ext>
+            </a:extLst>
+          </p:cNvPr>
+          <p:cNvSpPr/>
+          <p:nvPr/>
+        </p:nvSpPr>
+        <p:spPr bwMode="auto">
+          <a:xfrm>
+            <a:off x="4846320" y="1468820"/>
+            <a:ext cx="182880" cy="182880"/>
+          </a:xfrm>
+          <a:prstGeom prst="diamond">
+            <a:avLst/>
+          </a:prstGeom>
+          <a:noFill/>
+          <a:ln w="9525" cap="flat" cmpd="sng" algn="ctr">
+            <a:noFill/>
+            <a:prstDash val="solid"/>
+            <a:round/>
+            <a:headEnd type="none" w="med" len="med"/>
+            <a:tailEnd type="none" w="med" len="med"/>
+          </a:ln>
+          <a:effectLst/>
+        </p:spPr>
+        <p:txBody>
+          <a:bodyPr vert="horz" wrap="none" lIns="92075" tIns="46038" rIns="92075" bIns="46038" numCol="1" rtlCol="0" anchor="ctr" anchorCtr="0" compatLnSpc="1">
+            <a:prstTxWarp prst="textNoShape">
+              <a:avLst/>
+            </a:prstTxWarp>
+          </a:bodyPr>
+          <a:lstStyle/>
+          <a:p>
+            <a:pPr marL="0" marR="0" indent="0" algn="ctr" defTabSz="914400" rtl="0" eaLnBrk="0" fontAlgn="base" latinLnBrk="0" hangingPunct="0">
+              <a:lnSpc>
+                <a:spcPct val="100000"/>
+              </a:lnSpc>
+              <a:spcBef>
+                <a:spcPct val="0"/>
+              </a:spcBef>
+              <a:spcAft>
+                <a:spcPct val="0"/>
+              </a:spcAft>
+              <a:buClrTx/>
+              <a:buSzTx/>
+              <a:buFontTx/>
+              <a:buNone/>
+              <a:tabLst/>
+            </a:pPr>
+            <a:endParaRPr kumimoji="0" lang="en-US" sz="2400" b="0" i="0" u="none" strike="noStrike" cap="none" normalizeH="0" baseline="0">
+              <a:ln>
+                <a:noFill/>
+              </a:ln>
+              <a:solidFill>
+                <a:schemeClr val="tx1"/>
+              </a:solidFill>
+              <a:effectLst/>
+              <a:latin typeface="Arial" charset="0"/>
+            </a:endParaRPr>
+          </a:p>
+        </p:txBody>
+      </p:sp>
+      <p:cxnSp>
+        <p:nvCxnSpPr>
+          <p:cNvPr id="4" name="Straight Arrow Connector 4">
+            <a:extLst>
+              <a:ext uri="{FF2B5EF4-FFF2-40B4-BE49-F238E27FC236}">
+                <a16:creationId xmlns:a16="http://schemas.microsoft.com/office/drawing/2014/main" id="{E7002896-A91A-0621-E475-478DAF33279E}"/>
+              </a:ext>
+            </a:extLst>
+          </p:cNvPr>
+          <p:cNvCxnSpPr>
+            <a:stCxn id="2" idx="1"/>
+            <a:endCxn id="3" idx="3"/>
+          </p:cNvCxnSpPr>
+          <p:nvPr/>
+        </p:nvCxnSpPr>
+        <p:spPr bwMode="auto">
+          <a:xfrm rot="10800000">
+            <a:off x="5029200" y="1560260"/>
+            <a:ext cx="685800" cy="264820"/>
+          </a:xfrm>
+          <a:prstGeom prst="bentConnector3">
+            <a:avLst>
+              <a:gd name="adj1" fmla="val 50000"/>
+            </a:avLst>
+          </a:prstGeom>
+          <a:noFill/>
+          <a:ln w="9525" cap="flat" cmpd="sng" algn="ctr">
+            <a:solidFill>
+              <a:schemeClr val="tx1"/>
+            </a:solidFill>
+            <a:prstDash val="solid"/>
+            <a:round/>
+            <a:headEnd type="none" w="med" len="med"/>
+            <a:tailEnd type="triangle"/>
+          </a:ln>
+          <a:effectLst/>
+        </p:spPr>
+      </p:cxnSp>
     </p:spTree>
     <p:extLst>
       <p:ext uri="{BB962C8B-B14F-4D97-AF65-F5344CB8AC3E}">
@@ -28502,14 +28675,28 @@
                 <a:latin typeface="Consolas" pitchFamily="49" charset="0"/>
                 <a:cs typeface="Consolas" pitchFamily="49" charset="0"/>
               </a:rPr>
-              <a:t>stmt.statements</a:t>
+              <a:t>stmt.statement</a:t>
             </a:r>
             <a:r>
               <a:rPr lang="en-US" sz="1800" dirty="0">
                 <a:latin typeface="Consolas" pitchFamily="49" charset="0"/>
                 <a:cs typeface="Consolas" pitchFamily="49" charset="0"/>
               </a:rPr>
-              <a:t> = parseStatements()</a:t>
+              <a:t> = </a:t>
+            </a:r>
+            <a:r>
+              <a:rPr lang="en-US" sz="1800" dirty="0" err="1">
+                <a:latin typeface="Consolas" pitchFamily="49" charset="0"/>
+                <a:cs typeface="Consolas" pitchFamily="49" charset="0"/>
+              </a:rPr>
+              <a:t>parseStatement</a:t>
+            </a:r>
+            <a:r>
+              <a:rPr lang="en-US" sz="1800" dirty="0">
+                <a:latin typeface="Consolas" pitchFamily="49" charset="0"/>
+                <a:cs typeface="Consolas" pitchFamily="49" charset="0"/>
+              </a:rPr>
+              <a:t>()</a:t>
             </a:r>
           </a:p>
           <a:p>
@@ -29358,14 +29545,20 @@
       </p:sp>
       <p:sp>
         <p:nvSpPr>
-          <p:cNvPr id="8" name="TextBox 7"/>
+          <p:cNvPr id="7" name="TextBox 6">
+            <a:extLst>
+              <a:ext uri="{FF2B5EF4-FFF2-40B4-BE49-F238E27FC236}">
+                <a16:creationId xmlns:a16="http://schemas.microsoft.com/office/drawing/2014/main" id="{D7C235DA-4DCA-BEBC-0008-5D3CDDE859EA}"/>
+              </a:ext>
+            </a:extLst>
+          </p:cNvPr>
           <p:cNvSpPr txBox="1"/>
           <p:nvPr/>
         </p:nvSpPr>
         <p:spPr>
           <a:xfrm>
-            <a:off x="643681" y="3928408"/>
-            <a:ext cx="7856638" cy="1938992"/>
+            <a:off x="796768" y="3505200"/>
+            <a:ext cx="7550465" cy="2554545"/>
           </a:xfrm>
           <a:prstGeom prst="rect">
             <a:avLst/>
@@ -29385,80 +29578,98 @@
           <a:p>
             <a:pPr algn="l"/>
             <a:r>
-              <a:rPr lang="en-US" dirty="0"/>
-              <a:t>Note that </a:t>
-            </a:r>
-            <a:r>
-              <a:rPr lang="en-US" dirty="0" err="1">
+              <a:rPr lang="en-US" sz="2000" dirty="0"/>
+              <a:t>Note:</a:t>
+            </a:r>
+          </a:p>
+          <a:p>
+            <a:pPr marL="342900" indent="-342900" algn="l">
+              <a:buFont typeface="Arial" panose="020B0604020202020204" pitchFamily="34" charset="0"/>
+              <a:buChar char="•"/>
+            </a:pPr>
+            <a:r>
+              <a:rPr lang="en-US" sz="2000" dirty="0" err="1">
                 <a:latin typeface="Consolas" panose="020B0609020204030204" pitchFamily="49" charset="0"/>
               </a:rPr>
               <a:t>whileExpr</a:t>
             </a:r>
             <a:r>
-              <a:rPr lang="en-US" dirty="0"/>
-              <a:t> can be null to indicate that the</a:t>
-            </a:r>
-          </a:p>
-          <a:p>
-            <a:pPr algn="l"/>
-            <a:r>
-              <a:rPr lang="en-US" dirty="0"/>
-              <a:t>optional </a:t>
-            </a:r>
-            <a:r>
-              <a:rPr lang="en-US" dirty="0" err="1"/>
-              <a:t>boolean</a:t>
-            </a:r>
-            <a:r>
-              <a:rPr lang="en-US" dirty="0"/>
-              <a:t> expression is not present.  Also,</a:t>
-            </a:r>
-          </a:p>
-          <a:p>
-            <a:pPr algn="l"/>
-            <a:r>
-              <a:rPr lang="en-US" dirty="0"/>
-              <a:t>property </a:t>
-            </a:r>
-            <a:r>
-              <a:rPr lang="en-US" dirty="0">
+              <a:rPr lang="en-US" sz="2000" dirty="0"/>
+              <a:t> can be null to indicate that the optional Boolean</a:t>
+            </a:r>
+            <a:br>
+              <a:rPr lang="en-US" sz="2000" dirty="0"/>
+            </a:br>
+            <a:r>
+              <a:rPr lang="en-US" sz="2000" dirty="0"/>
+              <a:t>expression is not present.</a:t>
+            </a:r>
+          </a:p>
+          <a:p>
+            <a:pPr marL="342900" indent="-342900" algn="l">
+              <a:buFont typeface="Arial" panose="020B0604020202020204" pitchFamily="34" charset="0"/>
+              <a:buChar char="•"/>
+            </a:pPr>
+            <a:r>
+              <a:rPr lang="en-US" sz="2000" dirty="0">
                 <a:latin typeface="Consolas" panose="020B0609020204030204" pitchFamily="49" charset="0"/>
               </a:rPr>
               <a:t>statement</a:t>
             </a:r>
             <a:r>
-              <a:rPr lang="en-US" dirty="0"/>
-              <a:t> is initialized to an object named</a:t>
-            </a:r>
-          </a:p>
-          <a:p>
-            <a:pPr algn="l"/>
-            <a:r>
-              <a:rPr lang="en-US" dirty="0" err="1">
+              <a:rPr lang="en-US" sz="2000" dirty="0"/>
+              <a:t> is initialized to an object named </a:t>
+            </a:r>
+            <a:r>
+              <a:rPr lang="en-US" sz="2000" dirty="0" err="1">
                 <a:latin typeface="Consolas" panose="020B0609020204030204" pitchFamily="49" charset="0"/>
               </a:rPr>
               <a:t>EmptyStatement</a:t>
             </a:r>
             <a:r>
-              <a:rPr lang="en-US" dirty="0"/>
-              <a:t>, which is subclassed from </a:t>
-            </a:r>
-            <a:r>
-              <a:rPr lang="en-US" dirty="0">
+              <a:rPr lang="en-US" sz="2000" dirty="0"/>
+              <a:t>,</a:t>
+            </a:r>
+            <a:br>
+              <a:rPr lang="en-US" sz="2000" dirty="0"/>
+            </a:br>
+            <a:r>
+              <a:rPr lang="en-US" sz="2000" dirty="0"/>
+              <a:t>which is subclassed from </a:t>
+            </a:r>
+            <a:r>
+              <a:rPr lang="en-US" sz="2000" dirty="0">
                 <a:latin typeface="Consolas" panose="020B0609020204030204" pitchFamily="49" charset="0"/>
               </a:rPr>
               <a:t>Statement</a:t>
             </a:r>
             <a:r>
-              <a:rPr lang="en-US" dirty="0"/>
-              <a:t>,</a:t>
-            </a:r>
-          </a:p>
-          <a:p>
-            <a:pPr algn="l"/>
-            <a:r>
-              <a:rPr lang="en-US" dirty="0"/>
-              <a:t>passes all constraint checks, and generates no code.</a:t>
+              <a:rPr lang="en-US" sz="2000" dirty="0"/>
+              <a:t>, passes all constraint</a:t>
+            </a:r>
+            <a:br>
+              <a:rPr lang="en-US" sz="2000" dirty="0"/>
+            </a:br>
+            <a:r>
+              <a:rPr lang="en-US" sz="2000" dirty="0"/>
+              <a:t>checks, and generates no code.</a:t>
+            </a:r>
+          </a:p>
+          <a:p>
+            <a:pPr marL="342900" indent="-342900" algn="l">
+              <a:buFont typeface="Arial" panose="020B0604020202020204" pitchFamily="34" charset="0"/>
+              <a:buChar char="•"/>
+            </a:pPr>
+            <a:r>
+              <a:rPr lang="en-US" sz="2000" dirty="0"/>
+              <a:t>The parser assigns values to these two properties during</a:t>
+            </a:r>
+            <a:br>
+              <a:rPr lang="en-US" sz="2000" dirty="0"/>
+            </a:br>
+            <a:r>
+              <a:rPr lang="en-US" sz="2000" dirty="0"/>
+              <a:t>parsing.</a:t>
             </a:r>
           </a:p>
         </p:txBody>

--- a/PowerPoints/08 - Abstract Syntax Trees.pptx
+++ b/PowerPoints/08 - Abstract Syntax Trees.pptx
@@ -22335,8 +22335,8 @@
         </p:nvCxnSpPr>
         <p:spPr bwMode="auto">
           <a:xfrm rot="16200000" flipH="1">
-            <a:off x="6554832" y="3298335"/>
-            <a:ext cx="311914" cy="1168616"/>
+            <a:off x="6577897" y="3275269"/>
+            <a:ext cx="311914" cy="1214747"/>
           </a:xfrm>
           <a:prstGeom prst="bentConnector3">
             <a:avLst>
@@ -22600,9 +22600,9 @@
         <p:grpSpPr>
           <a:xfrm>
             <a:off x="6609297" y="4038600"/>
-            <a:ext cx="1371600" cy="584775"/>
+            <a:ext cx="1463862" cy="584775"/>
             <a:chOff x="6672101" y="3200400"/>
-            <a:chExt cx="1371600" cy="584775"/>
+            <a:chExt cx="1463862" cy="584775"/>
           </a:xfrm>
         </p:grpSpPr>
         <p:sp>
@@ -22620,7 +22620,7 @@
           <p:spPr>
             <a:xfrm>
               <a:off x="6672101" y="3200400"/>
-              <a:ext cx="1371600" cy="584775"/>
+              <a:ext cx="1463862" cy="584775"/>
             </a:xfrm>
             <a:prstGeom prst="rect">
               <a:avLst/>
@@ -22645,8 +22645,13 @@
               <a:pPr algn="l"/>
               <a:r>
                 <a:rPr lang="en-US" sz="1600" dirty="0"/>
-                <a:t>  WritelnStmt</a:t>
+                <a:t>  </a:t>
               </a:r>
+              <a:r>
+                <a:rPr lang="en-US" sz="1600" dirty="0" err="1"/>
+                <a:t>OutputStmt</a:t>
+              </a:r>
+              <a:endParaRPr lang="en-US" sz="1600" dirty="0"/>
             </a:p>
             <a:p>
               <a:pPr algn="l"/>

--- a/PowerPoints/08 - Abstract Syntax Trees.pptx
+++ b/PowerPoints/08 - Abstract Syntax Trees.pptx
@@ -5,10 +5,10 @@
     <p:sldMasterId id="2147483651" r:id="rId1"/>
   </p:sldMasterIdLst>
   <p:notesMasterIdLst>
-    <p:notesMasterId r:id="rId66"/>
+    <p:notesMasterId r:id="rId67"/>
   </p:notesMasterIdLst>
   <p:handoutMasterIdLst>
-    <p:handoutMasterId r:id="rId67"/>
+    <p:handoutMasterId r:id="rId68"/>
   </p:handoutMasterIdLst>
   <p:sldIdLst>
     <p:sldId id="256" r:id="rId2"/>
@@ -74,7 +74,8 @@
     <p:sldId id="290" r:id="rId62"/>
     <p:sldId id="305" r:id="rId63"/>
     <p:sldId id="291" r:id="rId64"/>
-    <p:sldId id="295" r:id="rId65"/>
+    <p:sldId id="370" r:id="rId65"/>
+    <p:sldId id="295" r:id="rId66"/>
   </p:sldIdLst>
   <p:sldSz cx="9144000" cy="6858000" type="screen4x3"/>
   <p:notesSz cx="7315200" cy="9601200"/>
@@ -3864,7 +3865,7 @@
               <a:pPr>
                 <a:defRPr/>
               </a:pPr>
-              <a:t>64</a:t>
+              <a:t>65</a:t>
             </a:fld>
             <a:endParaRPr lang="en-US" dirty="0"/>
           </a:p>
@@ -29039,6 +29040,319 @@
       </p:grpSpPr>
       <p:sp>
         <p:nvSpPr>
+          <p:cNvPr id="2" name="Title 1">
+            <a:extLst>
+              <a:ext uri="{FF2B5EF4-FFF2-40B4-BE49-F238E27FC236}">
+                <a16:creationId xmlns:a16="http://schemas.microsoft.com/office/drawing/2014/main" id="{9F234138-0CFD-3601-B29E-C7A3C3D559AB}"/>
+              </a:ext>
+            </a:extLst>
+          </p:cNvPr>
+          <p:cNvSpPr>
+            <a:spLocks noGrp="1"/>
+          </p:cNvSpPr>
+          <p:nvPr>
+            <p:ph type="title"/>
+          </p:nvPr>
+        </p:nvSpPr>
+        <p:spPr/>
+        <p:txBody>
+          <a:bodyPr/>
+          <a:lstStyle/>
+          <a:p>
+            <a:r>
+              <a:rPr lang="en-US" dirty="0"/>
+              <a:t>Do We Need Context Classes?</a:t>
+            </a:r>
+          </a:p>
+        </p:txBody>
+      </p:sp>
+      <p:sp>
+        <p:nvSpPr>
+          <p:cNvPr id="3" name="Content Placeholder 2">
+            <a:extLst>
+              <a:ext uri="{FF2B5EF4-FFF2-40B4-BE49-F238E27FC236}">
+                <a16:creationId xmlns:a16="http://schemas.microsoft.com/office/drawing/2014/main" id="{FD9ED470-9AD3-F4D9-01A0-51FA668E9DD7}"/>
+              </a:ext>
+            </a:extLst>
+          </p:cNvPr>
+          <p:cNvSpPr>
+            <a:spLocks noGrp="1"/>
+          </p:cNvSpPr>
+          <p:nvPr>
+            <p:ph idx="1"/>
+          </p:nvPr>
+        </p:nvSpPr>
+        <p:spPr/>
+        <p:txBody>
+          <a:bodyPr/>
+          <a:lstStyle/>
+          <a:p>
+            <a:r>
+              <a:rPr lang="en-US" sz="2400" dirty="0">
+                <a:effectLst/>
+                <a:latin typeface="+mn-lt"/>
+                <a:ea typeface="Calibri" panose="020F0502020204030204" pitchFamily="34" charset="0"/>
+                <a:cs typeface="Times New Roman" panose="02020603050405020304" pitchFamily="18" charset="0"/>
+              </a:rPr>
+              <a:t>Class </a:t>
+            </a:r>
+            <a:r>
+              <a:rPr lang="en-US" sz="2400" dirty="0" err="1">
+                <a:effectLst/>
+                <a:latin typeface="Consolas" panose="020B0609020204030204" pitchFamily="49" charset="0"/>
+                <a:ea typeface="Calibri" panose="020F0502020204030204" pitchFamily="34" charset="0"/>
+                <a:cs typeface="Times New Roman" panose="02020603050405020304" pitchFamily="18" charset="0"/>
+              </a:rPr>
+              <a:t>LoopContext</a:t>
+            </a:r>
+            <a:r>
+              <a:rPr lang="en-US" sz="2400" dirty="0">
+                <a:effectLst/>
+                <a:latin typeface="+mn-lt"/>
+                <a:ea typeface="Calibri" panose="020F0502020204030204" pitchFamily="34" charset="0"/>
+                <a:cs typeface="Times New Roman" panose="02020603050405020304" pitchFamily="18" charset="0"/>
+              </a:rPr>
+              <a:t> exists solely to help associate an </a:t>
+            </a:r>
+            <a:r>
+              <a:rPr lang="en-US" sz="2400" dirty="0">
+                <a:effectLst/>
+                <a:latin typeface="Consolas" panose="020B0609020204030204" pitchFamily="49" charset="0"/>
+                <a:ea typeface="Calibri" panose="020F0502020204030204" pitchFamily="34" charset="0"/>
+                <a:cs typeface="Times New Roman" panose="02020603050405020304" pitchFamily="18" charset="0"/>
+              </a:rPr>
+              <a:t>exit</a:t>
+            </a:r>
+            <a:r>
+              <a:rPr lang="en-US" sz="2400" dirty="0">
+                <a:effectLst/>
+                <a:latin typeface="+mn-lt"/>
+                <a:ea typeface="Calibri" panose="020F0502020204030204" pitchFamily="34" charset="0"/>
+                <a:cs typeface="Times New Roman" panose="02020603050405020304" pitchFamily="18" charset="0"/>
+              </a:rPr>
+              <a:t> statement with its enclosing </a:t>
+            </a:r>
+            <a:r>
+              <a:rPr lang="en-US" sz="2400" dirty="0">
+                <a:effectLst/>
+                <a:latin typeface="Consolas" panose="020B0609020204030204" pitchFamily="49" charset="0"/>
+                <a:ea typeface="Calibri" panose="020F0502020204030204" pitchFamily="34" charset="0"/>
+                <a:cs typeface="Times New Roman" panose="02020603050405020304" pitchFamily="18" charset="0"/>
+              </a:rPr>
+              <a:t>loop</a:t>
+            </a:r>
+            <a:r>
+              <a:rPr lang="en-US" sz="2400" dirty="0">
+                <a:effectLst/>
+                <a:latin typeface="+mn-lt"/>
+                <a:ea typeface="Calibri" panose="020F0502020204030204" pitchFamily="34" charset="0"/>
+                <a:cs typeface="Times New Roman" panose="02020603050405020304" pitchFamily="18" charset="0"/>
+              </a:rPr>
+              <a:t> statement</a:t>
+            </a:r>
+          </a:p>
+          <a:p>
+            <a:r>
+              <a:rPr lang="en-US" dirty="0">
+                <a:ea typeface="Calibri" panose="020F0502020204030204" pitchFamily="34" charset="0"/>
+                <a:cs typeface="Times New Roman" panose="02020603050405020304" pitchFamily="18" charset="0"/>
+              </a:rPr>
+              <a:t>C</a:t>
+            </a:r>
+            <a:r>
+              <a:rPr lang="en-US" sz="2400" dirty="0">
+                <a:effectLst/>
+                <a:latin typeface="+mn-lt"/>
+                <a:ea typeface="Calibri" panose="020F0502020204030204" pitchFamily="34" charset="0"/>
+                <a:cs typeface="Times New Roman" panose="02020603050405020304" pitchFamily="18" charset="0"/>
+              </a:rPr>
+              <a:t>lass </a:t>
+            </a:r>
+            <a:r>
+              <a:rPr lang="en-US" sz="2400" dirty="0" err="1">
+                <a:effectLst/>
+                <a:latin typeface="Consolas" panose="020B0609020204030204" pitchFamily="49" charset="0"/>
+                <a:ea typeface="Calibri" panose="020F0502020204030204" pitchFamily="34" charset="0"/>
+                <a:cs typeface="Times New Roman" panose="02020603050405020304" pitchFamily="18" charset="0"/>
+              </a:rPr>
+              <a:t>SubprogramContext</a:t>
+            </a:r>
+            <a:r>
+              <a:rPr lang="en-US" sz="2400" dirty="0">
+                <a:effectLst/>
+                <a:latin typeface="+mn-lt"/>
+                <a:ea typeface="Calibri" panose="020F0502020204030204" pitchFamily="34" charset="0"/>
+                <a:cs typeface="Times New Roman" panose="02020603050405020304" pitchFamily="18" charset="0"/>
+              </a:rPr>
+              <a:t> exists solely to help associate a return statement with its enclosing subprogram.</a:t>
+            </a:r>
+          </a:p>
+          <a:p>
+            <a:r>
+              <a:rPr lang="en-US" sz="2400" dirty="0">
+                <a:effectLst/>
+                <a:latin typeface="+mn-lt"/>
+                <a:ea typeface="Calibri" panose="020F0502020204030204" pitchFamily="34" charset="0"/>
+                <a:cs typeface="Times New Roman" panose="02020603050405020304" pitchFamily="18" charset="0"/>
+              </a:rPr>
+              <a:t>Both classes can be eliminated if we had parent references to the AST classes.</a:t>
+            </a:r>
+          </a:p>
+          <a:p>
+            <a:r>
+              <a:rPr lang="en-US" sz="2400" dirty="0">
+                <a:effectLst/>
+                <a:latin typeface="+mn-lt"/>
+                <a:ea typeface="Calibri" panose="020F0502020204030204" pitchFamily="34" charset="0"/>
+                <a:cs typeface="Times New Roman" panose="02020603050405020304" pitchFamily="18" charset="0"/>
+              </a:rPr>
+              <a:t>For example, if parent references existed, an </a:t>
+            </a:r>
+            <a:r>
+              <a:rPr lang="en-US" sz="2400" dirty="0">
+                <a:effectLst/>
+                <a:latin typeface="Consolas" panose="020B0609020204030204" pitchFamily="49" charset="0"/>
+                <a:ea typeface="Calibri" panose="020F0502020204030204" pitchFamily="34" charset="0"/>
+                <a:cs typeface="Times New Roman" panose="02020603050405020304" pitchFamily="18" charset="0"/>
+              </a:rPr>
+              <a:t>exit</a:t>
+            </a:r>
+            <a:r>
+              <a:rPr lang="en-US" sz="2400" dirty="0">
+                <a:effectLst/>
+                <a:latin typeface="+mn-lt"/>
+                <a:ea typeface="Calibri" panose="020F0502020204030204" pitchFamily="34" charset="0"/>
+                <a:cs typeface="Times New Roman" panose="02020603050405020304" pitchFamily="18" charset="0"/>
+              </a:rPr>
+              <a:t> statement could simply follow the chain of parent references to find its enclosing </a:t>
+            </a:r>
+            <a:r>
+              <a:rPr lang="en-US" sz="2400" dirty="0">
+                <a:effectLst/>
+                <a:latin typeface="Consolas" panose="020B0609020204030204" pitchFamily="49" charset="0"/>
+                <a:ea typeface="Calibri" panose="020F0502020204030204" pitchFamily="34" charset="0"/>
+                <a:cs typeface="Times New Roman" panose="02020603050405020304" pitchFamily="18" charset="0"/>
+              </a:rPr>
+              <a:t>loop</a:t>
+            </a:r>
+            <a:r>
+              <a:rPr lang="en-US" sz="2400" dirty="0">
+                <a:effectLst/>
+                <a:latin typeface="+mn-lt"/>
+                <a:ea typeface="Calibri" panose="020F0502020204030204" pitchFamily="34" charset="0"/>
+                <a:cs typeface="Times New Roman" panose="02020603050405020304" pitchFamily="18" charset="0"/>
+              </a:rPr>
+              <a:t> statement.</a:t>
+            </a:r>
+          </a:p>
+          <a:p>
+            <a:endParaRPr lang="en-US" dirty="0"/>
+          </a:p>
+        </p:txBody>
+      </p:sp>
+      <p:sp>
+        <p:nvSpPr>
+          <p:cNvPr id="4" name="Footer Placeholder 3">
+            <a:extLst>
+              <a:ext uri="{FF2B5EF4-FFF2-40B4-BE49-F238E27FC236}">
+                <a16:creationId xmlns:a16="http://schemas.microsoft.com/office/drawing/2014/main" id="{B15E7607-756B-E94D-CAA6-5A1732CC67A6}"/>
+              </a:ext>
+            </a:extLst>
+          </p:cNvPr>
+          <p:cNvSpPr>
+            <a:spLocks noGrp="1"/>
+          </p:cNvSpPr>
+          <p:nvPr>
+            <p:ph type="ftr" sz="quarter" idx="10"/>
+          </p:nvPr>
+        </p:nvSpPr>
+        <p:spPr/>
+        <p:txBody>
+          <a:bodyPr/>
+          <a:lstStyle/>
+          <a:p>
+            <a:pPr>
+              <a:defRPr/>
+            </a:pPr>
+            <a:r>
+              <a:rPr lang="en-US"/>
+              <a:t>©SoftMoore Consulting</a:t>
+            </a:r>
+            <a:endParaRPr lang="en-US" dirty="0"/>
+          </a:p>
+        </p:txBody>
+      </p:sp>
+      <p:sp>
+        <p:nvSpPr>
+          <p:cNvPr id="5" name="Slide Number Placeholder 4">
+            <a:extLst>
+              <a:ext uri="{FF2B5EF4-FFF2-40B4-BE49-F238E27FC236}">
+                <a16:creationId xmlns:a16="http://schemas.microsoft.com/office/drawing/2014/main" id="{A2812B25-AE0A-8A36-6F54-C72891589010}"/>
+              </a:ext>
+            </a:extLst>
+          </p:cNvPr>
+          <p:cNvSpPr>
+            <a:spLocks noGrp="1"/>
+          </p:cNvSpPr>
+          <p:nvPr>
+            <p:ph type="sldNum" sz="quarter" idx="11"/>
+          </p:nvPr>
+        </p:nvSpPr>
+        <p:spPr/>
+        <p:txBody>
+          <a:bodyPr/>
+          <a:lstStyle/>
+          <a:p>
+            <a:pPr>
+              <a:defRPr/>
+            </a:pPr>
+            <a:r>
+              <a:rPr lang="en-US"/>
+              <a:t>Slide </a:t>
+            </a:r>
+            <a:fld id="{A413A2F6-7BFD-463C-B63A-922040FAF32C}" type="slidenum">
+              <a:rPr lang="en-US" smtClean="0"/>
+              <a:pPr>
+                <a:defRPr/>
+              </a:pPr>
+              <a:t>64</a:t>
+            </a:fld>
+            <a:endParaRPr lang="en-US" dirty="0"/>
+          </a:p>
+        </p:txBody>
+      </p:sp>
+    </p:spTree>
+    <p:extLst>
+      <p:ext uri="{BB962C8B-B14F-4D97-AF65-F5344CB8AC3E}">
+        <p14:creationId xmlns:p14="http://schemas.microsoft.com/office/powerpoint/2010/main" val="793309909"/>
+      </p:ext>
+    </p:extLst>
+  </p:cSld>
+  <p:clrMapOvr>
+    <a:masterClrMapping/>
+  </p:clrMapOvr>
+</p:sld>
+</file>
+
+<file path=ppt/slides/slide65.xml><?xml version="1.0" encoding="utf-8"?>
+<p:sld xmlns:a="http://schemas.openxmlformats.org/drawingml/2006/main" xmlns:r="http://schemas.openxmlformats.org/officeDocument/2006/relationships" xmlns:p="http://schemas.openxmlformats.org/presentationml/2006/main">
+  <p:cSld>
+    <p:spTree>
+      <p:nvGrpSpPr>
+        <p:cNvPr id="1" name=""/>
+        <p:cNvGrpSpPr/>
+        <p:nvPr/>
+      </p:nvGrpSpPr>
+      <p:grpSpPr>
+        <a:xfrm>
+          <a:off x="0" y="0"/>
+          <a:ext cx="0" cy="0"/>
+          <a:chOff x="0" y="0"/>
+          <a:chExt cx="0" cy="0"/>
+        </a:xfrm>
+      </p:grpSpPr>
+      <p:sp>
+        <p:nvSpPr>
           <p:cNvPr id="16386" name="Footer Placeholder 3"/>
           <p:cNvSpPr>
             <a:spLocks noGrp="1"/>
@@ -29085,7 +29399,7 @@
             <a:fld id="{134458ED-4E89-4858-9DDE-3B7F8D65D42C}" type="slidenum">
               <a:rPr lang="en-US" smtClean="0"/>
               <a:pPr/>
-              <a:t>64</a:t>
+              <a:t>65</a:t>
             </a:fld>
             <a:endParaRPr lang="en-US" dirty="0"/>
           </a:p>

--- a/PowerPoints/08 - Abstract Syntax Trees.pptx
+++ b/PowerPoints/08 - Abstract Syntax Trees.pptx
@@ -15204,13 +15204,13 @@
               <a:rPr lang="en-US" sz="1800" dirty="0">
                 <a:latin typeface="Consolas" panose="020B0609020204030204" pitchFamily="49" charset="0"/>
               </a:rPr>
-              <a:t>when (</a:t>
+              <a:t>if (symbol == </a:t>
             </a:r>
             <a:r>
               <a:rPr lang="en-US" sz="1800" dirty="0" err="1">
                 <a:latin typeface="Consolas" panose="020B0609020204030204" pitchFamily="49" charset="0"/>
               </a:rPr>
-              <a:t>scanner.symbol</a:t>
+              <a:t>Symbol.identifier</a:t>
             </a:r>
             <a:r>
               <a:rPr lang="en-US" sz="1800" dirty="0">
@@ -15244,8 +15244,41 @@
               <a:rPr lang="en-US" sz="1800" dirty="0">
                 <a:latin typeface="Consolas" panose="020B0609020204030204" pitchFamily="49" charset="0"/>
               </a:rPr>
-              <a:t>    Symbol.identifier -&gt;</a:t>
-            </a:r>
+              <a:t>    </a:t>
+            </a:r>
+            <a:r>
+              <a:rPr lang="en-US" sz="1800" dirty="0" err="1">
+                <a:latin typeface="Consolas" panose="020B0609020204030204" pitchFamily="49" charset="0"/>
+              </a:rPr>
+              <a:t>val</a:t>
+            </a:r>
+            <a:r>
+              <a:rPr lang="en-US" sz="1800" dirty="0">
+                <a:latin typeface="Consolas" panose="020B0609020204030204" pitchFamily="49" charset="0"/>
+              </a:rPr>
+              <a:t> </a:t>
+            </a:r>
+            <a:r>
+              <a:rPr lang="en-US" sz="1800" dirty="0" err="1">
+                <a:latin typeface="Consolas" panose="020B0609020204030204" pitchFamily="49" charset="0"/>
+              </a:rPr>
+              <a:t>idStr</a:t>
+            </a:r>
+            <a:r>
+              <a:rPr lang="en-US" sz="1800" dirty="0">
+                <a:latin typeface="Consolas" panose="020B0609020204030204" pitchFamily="49" charset="0"/>
+              </a:rPr>
+              <a:t> = </a:t>
+            </a:r>
+            <a:r>
+              <a:rPr lang="en-US" sz="1800" dirty="0" err="1">
+                <a:latin typeface="Consolas" panose="020B0609020204030204" pitchFamily="49" charset="0"/>
+              </a:rPr>
+              <a:t>scanner.text</a:t>
+            </a:r>
+            <a:endParaRPr lang="en-US" sz="1800" dirty="0">
+              <a:latin typeface="Consolas" panose="020B0609020204030204" pitchFamily="49" charset="0"/>
+            </a:endParaRPr>
           </a:p>
           <a:p>
             <a:pPr marL="182880" indent="0">
@@ -15258,7 +15291,55 @@
               <a:rPr lang="en-US" sz="1800" dirty="0">
                 <a:latin typeface="Consolas" panose="020B0609020204030204" pitchFamily="49" charset="0"/>
               </a:rPr>
-              <a:t>      {</a:t>
+              <a:t>    </a:t>
+            </a:r>
+            <a:r>
+              <a:rPr lang="en-US" sz="1800" dirty="0" err="1">
+                <a:latin typeface="Consolas" panose="020B0609020204030204" pitchFamily="49" charset="0"/>
+              </a:rPr>
+              <a:t>val</a:t>
+            </a:r>
+            <a:r>
+              <a:rPr lang="en-US" sz="1800" dirty="0">
+                <a:latin typeface="Consolas" panose="020B0609020204030204" pitchFamily="49" charset="0"/>
+              </a:rPr>
+              <a:t> </a:t>
+            </a:r>
+            <a:r>
+              <a:rPr lang="en-US" sz="1800" dirty="0" err="1">
+                <a:latin typeface="Consolas" panose="020B0609020204030204" pitchFamily="49" charset="0"/>
+              </a:rPr>
+              <a:t>decl</a:t>
+            </a:r>
+            <a:r>
+              <a:rPr lang="en-US" sz="1800" dirty="0">
+                <a:latin typeface="Consolas" panose="020B0609020204030204" pitchFamily="49" charset="0"/>
+              </a:rPr>
+              <a:t>  = </a:t>
+            </a:r>
+            <a:r>
+              <a:rPr lang="en-US" sz="1800" dirty="0" err="1">
+                <a:latin typeface="Consolas" panose="020B0609020204030204" pitchFamily="49" charset="0"/>
+              </a:rPr>
+              <a:t>idTable</a:t>
+            </a:r>
+            <a:r>
+              <a:rPr lang="en-US" sz="1800" dirty="0">
+                <a:latin typeface="Consolas" panose="020B0609020204030204" pitchFamily="49" charset="0"/>
+              </a:rPr>
+              <a:t>[</a:t>
+            </a:r>
+            <a:r>
+              <a:rPr lang="en-US" sz="1800" dirty="0" err="1">
+                <a:latin typeface="Consolas" panose="020B0609020204030204" pitchFamily="49" charset="0"/>
+              </a:rPr>
+              <a:t>idStr</a:t>
+            </a:r>
+            <a:r>
+              <a:rPr lang="en-US" sz="1800" dirty="0">
+                <a:latin typeface="Consolas" panose="020B0609020204030204" pitchFamily="49" charset="0"/>
+              </a:rPr>
+              <a:t>]</a:t>
             </a:r>
           </a:p>
           <a:p>
@@ -15268,42 +15349,6 @@
               </a:spcBef>
               <a:buNone/>
             </a:pPr>
-            <a:r>
-              <a:rPr lang="en-US" sz="1800" dirty="0">
-                <a:latin typeface="Consolas" panose="020B0609020204030204" pitchFamily="49" charset="0"/>
-              </a:rPr>
-              <a:t>        </a:t>
-            </a:r>
-            <a:r>
-              <a:rPr lang="en-US" sz="1800" dirty="0" err="1">
-                <a:latin typeface="Consolas" panose="020B0609020204030204" pitchFamily="49" charset="0"/>
-              </a:rPr>
-              <a:t>val</a:t>
-            </a:r>
-            <a:r>
-              <a:rPr lang="en-US" sz="1800" dirty="0">
-                <a:latin typeface="Consolas" panose="020B0609020204030204" pitchFamily="49" charset="0"/>
-              </a:rPr>
-              <a:t> </a:t>
-            </a:r>
-            <a:r>
-              <a:rPr lang="en-US" sz="1800" dirty="0" err="1">
-                <a:latin typeface="Consolas" panose="020B0609020204030204" pitchFamily="49" charset="0"/>
-              </a:rPr>
-              <a:t>idStr</a:t>
-            </a:r>
-            <a:r>
-              <a:rPr lang="en-US" sz="1800" dirty="0">
-                <a:latin typeface="Consolas" panose="020B0609020204030204" pitchFamily="49" charset="0"/>
-              </a:rPr>
-              <a:t> = </a:t>
-            </a:r>
-            <a:r>
-              <a:rPr lang="en-US" sz="1800" dirty="0" err="1">
-                <a:latin typeface="Consolas" panose="020B0609020204030204" pitchFamily="49" charset="0"/>
-              </a:rPr>
-              <a:t>scanner.text</a:t>
-            </a:r>
             <a:endParaRPr lang="en-US" sz="1800" dirty="0">
               <a:latin typeface="Consolas" panose="020B0609020204030204" pitchFamily="49" charset="0"/>
             </a:endParaRPr>
@@ -15319,55 +15364,19 @@
               <a:rPr lang="en-US" sz="1800" dirty="0">
                 <a:latin typeface="Consolas" panose="020B0609020204030204" pitchFamily="49" charset="0"/>
               </a:rPr>
-              <a:t>        </a:t>
+              <a:t>    if (</a:t>
             </a:r>
             <a:r>
               <a:rPr lang="en-US" sz="1800" dirty="0" err="1">
                 <a:latin typeface="Consolas" panose="020B0609020204030204" pitchFamily="49" charset="0"/>
               </a:rPr>
-              <a:t>val</a:t>
-            </a:r>
-            <a:r>
-              <a:rPr lang="en-US" sz="1800" dirty="0">
-                <a:latin typeface="Consolas" panose="020B0609020204030204" pitchFamily="49" charset="0"/>
-              </a:rPr>
-              <a:t> </a:t>
-            </a:r>
-            <a:r>
-              <a:rPr lang="en-US" sz="1800" dirty="0" err="1">
-                <a:latin typeface="Consolas" panose="020B0609020204030204" pitchFamily="49" charset="0"/>
-              </a:rPr>
               <a:t>decl</a:t>
             </a:r>
             <a:r>
               <a:rPr lang="en-US" sz="1800" dirty="0">
                 <a:latin typeface="Consolas" panose="020B0609020204030204" pitchFamily="49" charset="0"/>
               </a:rPr>
-              <a:t>  = </a:t>
-            </a:r>
-            <a:r>
-              <a:rPr lang="en-US" sz="1800" dirty="0" err="1">
-                <a:latin typeface="Consolas" panose="020B0609020204030204" pitchFamily="49" charset="0"/>
-              </a:rPr>
-              <a:t>idTable</a:t>
-            </a:r>
-            <a:r>
-              <a:rPr lang="en-US" sz="1800" dirty="0">
-                <a:latin typeface="Consolas" panose="020B0609020204030204" pitchFamily="49" charset="0"/>
-              </a:rPr>
-              <a:t>[</a:t>
-            </a:r>
-            <a:r>
-              <a:rPr lang="en-US" sz="1800" dirty="0" err="1">
-                <a:latin typeface="Consolas" panose="020B0609020204030204" pitchFamily="49" charset="0"/>
-              </a:rPr>
-              <a:t>idStr</a:t>
-            </a:r>
-            <a:r>
-              <a:rPr lang="en-US" sz="1800" dirty="0">
-                <a:latin typeface="Consolas" panose="020B0609020204030204" pitchFamily="49" charset="0"/>
-              </a:rPr>
-              <a:t>]</a:t>
+              <a:t> != null)</a:t>
             </a:r>
           </a:p>
           <a:p>
@@ -15377,9 +15386,12 @@
               </a:spcBef>
               <a:buNone/>
             </a:pPr>
-            <a:endParaRPr lang="en-US" sz="1800" dirty="0">
-              <a:latin typeface="Consolas" panose="020B0609020204030204" pitchFamily="49" charset="0"/>
-            </a:endParaRPr>
+            <a:r>
+              <a:rPr lang="en-US" sz="1800" dirty="0">
+                <a:latin typeface="Consolas" panose="020B0609020204030204" pitchFamily="49" charset="0"/>
+              </a:rPr>
+              <a:t>      {</a:t>
+            </a:r>
           </a:p>
           <a:p>
             <a:pPr marL="182880" indent="0">
@@ -15395,16 +15407,28 @@
               <a:t>        if (</a:t>
             </a:r>
             <a:r>
-              <a:rPr lang="en-US" sz="1800" dirty="0" err="1">
+              <a:rPr lang="en-US" sz="1800" b="1" dirty="0" err="1">
                 <a:latin typeface="Consolas" panose="020B0609020204030204" pitchFamily="49" charset="0"/>
               </a:rPr>
               <a:t>decl</a:t>
             </a:r>
             <a:r>
-              <a:rPr lang="en-US" sz="1800" dirty="0">
-                <a:latin typeface="Consolas" panose="020B0609020204030204" pitchFamily="49" charset="0"/>
-              </a:rPr>
-              <a:t> != null)</a:t>
+              <a:rPr lang="en-US" sz="1800" b="1" dirty="0">
+                <a:latin typeface="Consolas" panose="020B0609020204030204" pitchFamily="49" charset="0"/>
+              </a:rPr>
+              <a:t> is </a:t>
+            </a:r>
+            <a:r>
+              <a:rPr lang="en-US" sz="1800" b="1" dirty="0" err="1">
+                <a:latin typeface="Consolas" panose="020B0609020204030204" pitchFamily="49" charset="0"/>
+              </a:rPr>
+              <a:t>VariableDecl</a:t>
+            </a:r>
+            <a:r>
+              <a:rPr lang="en-US" sz="1800" dirty="0">
+                <a:latin typeface="Consolas" panose="020B0609020204030204" pitchFamily="49" charset="0"/>
+              </a:rPr>
+              <a:t>)</a:t>
             </a:r>
           </a:p>
           <a:p>
@@ -15418,7 +15442,19 @@
               <a:rPr lang="en-US" sz="1800" dirty="0">
                 <a:latin typeface="Consolas" panose="020B0609020204030204" pitchFamily="49" charset="0"/>
               </a:rPr>
-              <a:t>          {</a:t>
+              <a:t>            </a:t>
+            </a:r>
+            <a:r>
+              <a:rPr lang="en-US" sz="1800" dirty="0" err="1">
+                <a:latin typeface="Consolas" panose="020B0609020204030204" pitchFamily="49" charset="0"/>
+              </a:rPr>
+              <a:t>stmt</a:t>
+            </a:r>
+            <a:r>
+              <a:rPr lang="en-US" sz="1800" dirty="0">
+                <a:latin typeface="Consolas" panose="020B0609020204030204" pitchFamily="49" charset="0"/>
+              </a:rPr>
+              <a:t> = parseAssignmentStmt()</a:t>
             </a:r>
           </a:p>
           <a:p>
@@ -15432,31 +15468,7 @@
               <a:rPr lang="en-US" sz="1800" dirty="0">
                 <a:latin typeface="Consolas" panose="020B0609020204030204" pitchFamily="49" charset="0"/>
               </a:rPr>
-              <a:t>            if (</a:t>
-            </a:r>
-            <a:r>
-              <a:rPr lang="en-US" sz="1800" b="1" dirty="0" err="1">
-                <a:latin typeface="Consolas" panose="020B0609020204030204" pitchFamily="49" charset="0"/>
-              </a:rPr>
-              <a:t>decl</a:t>
-            </a:r>
-            <a:r>
-              <a:rPr lang="en-US" sz="1800" b="1" dirty="0">
-                <a:latin typeface="Consolas" panose="020B0609020204030204" pitchFamily="49" charset="0"/>
-              </a:rPr>
-              <a:t> is </a:t>
-            </a:r>
-            <a:r>
-              <a:rPr lang="en-US" sz="1800" b="1" dirty="0" err="1">
-                <a:latin typeface="Consolas" panose="020B0609020204030204" pitchFamily="49" charset="0"/>
-              </a:rPr>
-              <a:t>VariableDecl</a:t>
-            </a:r>
-            <a:r>
-              <a:rPr lang="en-US" sz="1800" dirty="0">
-                <a:latin typeface="Consolas" panose="020B0609020204030204" pitchFamily="49" charset="0"/>
-              </a:rPr>
-              <a:t>)</a:t>
+              <a:t>        ...</a:t>
             </a:r>
           </a:p>
           <a:p>
@@ -15470,19 +15482,7 @@
               <a:rPr lang="en-US" sz="1800" dirty="0">
                 <a:latin typeface="Consolas" panose="020B0609020204030204" pitchFamily="49" charset="0"/>
               </a:rPr>
-              <a:t>                </a:t>
-            </a:r>
-            <a:r>
-              <a:rPr lang="en-US" sz="1800" dirty="0" err="1">
-                <a:latin typeface="Consolas" panose="020B0609020204030204" pitchFamily="49" charset="0"/>
-              </a:rPr>
-              <a:t>stmt</a:t>
-            </a:r>
-            <a:r>
-              <a:rPr lang="en-US" sz="1800" dirty="0">
-                <a:latin typeface="Consolas" panose="020B0609020204030204" pitchFamily="49" charset="0"/>
-              </a:rPr>
-              <a:t> = parseAssignmentStmt()</a:t>
+              <a:t>      }</a:t>
             </a:r>
           </a:p>
           <a:p>
@@ -15496,7 +15496,7 @@
               <a:rPr lang="en-US" sz="1800" dirty="0">
                 <a:latin typeface="Consolas" panose="020B0609020204030204" pitchFamily="49" charset="0"/>
               </a:rPr>
-              <a:t>            ...</a:t>
+              <a:t>  }</a:t>
             </a:r>
           </a:p>
           <a:p>
@@ -15510,35 +15510,7 @@
               <a:rPr lang="en-US" sz="1800" dirty="0">
                 <a:latin typeface="Consolas" panose="020B0609020204030204" pitchFamily="49" charset="0"/>
               </a:rPr>
-              <a:t>          }</a:t>
-            </a:r>
-          </a:p>
-          <a:p>
-            <a:pPr marL="182880" indent="0">
-              <a:spcBef>
-                <a:spcPts val="200"/>
-              </a:spcBef>
-              <a:buNone/>
-            </a:pPr>
-            <a:r>
-              <a:rPr lang="en-US" sz="1800" dirty="0">
-                <a:latin typeface="Consolas" panose="020B0609020204030204" pitchFamily="49" charset="0"/>
-              </a:rPr>
-              <a:t>      }</a:t>
-            </a:r>
-          </a:p>
-          <a:p>
-            <a:pPr marL="182880" indent="0">
-              <a:spcBef>
-                <a:spcPts val="200"/>
-              </a:spcBef>
-              <a:buNone/>
-            </a:pPr>
-            <a:r>
-              <a:rPr lang="en-US" sz="1800" dirty="0">
-                <a:latin typeface="Consolas" panose="020B0609020204030204" pitchFamily="49" charset="0"/>
-              </a:rPr>
-              <a:t>    ...</a:t>
+              <a:t>...</a:t>
             </a:r>
           </a:p>
         </p:txBody>
@@ -30219,6 +30191,9 @@
               <a:rPr lang="en-US" sz="2400" dirty="0"/>
               <a:t>(continued)</a:t>
             </a:r>
+            <a:endParaRPr lang="en-US" sz="2400" dirty="0">
+              <a:latin typeface="Consolas" panose="020B0609020204030204" pitchFamily="49" charset="0"/>
+            </a:endParaRPr>
           </a:p>
         </p:txBody>
       </p:sp>

--- a/PowerPoints/08 - Abstract Syntax Trees.pptx
+++ b/PowerPoints/08 - Abstract Syntax Trees.pptx
@@ -27585,7 +27585,15 @@
           <a:p>
             <a:r>
               <a:rPr lang="en-US" dirty="0"/>
-              <a:t>An exit statement has meaning only when nested inside a loop., and code generation for an exit statement requires knowledge of which loop encloses it.</a:t>
+              <a:t>An exit statement has meaning only when nested inside </a:t>
+            </a:r>
+            <a:r>
+              <a:rPr lang="en-US"/>
+              <a:t>a loop, </a:t>
+            </a:r>
+            <a:r>
+              <a:rPr lang="en-US" dirty="0"/>
+              <a:t>and code generation for an exit statement requires knowledge of which loop encloses it.</a:t>
             </a:r>
           </a:p>
           <a:p>

--- a/PowerPoints/08 - Abstract Syntax Trees.pptx
+++ b/PowerPoints/08 - Abstract Syntax Trees.pptx
@@ -27585,15 +27585,7 @@
           <a:p>
             <a:r>
               <a:rPr lang="en-US" dirty="0"/>
-              <a:t>An exit statement has meaning only when nested inside </a:t>
-            </a:r>
-            <a:r>
-              <a:rPr lang="en-US"/>
-              <a:t>a loop, </a:t>
-            </a:r>
-            <a:r>
-              <a:rPr lang="en-US" dirty="0"/>
-              <a:t>and code generation for an exit statement requires knowledge of which loop encloses it.</a:t>
+              <a:t>An exit statement has meaning only when nested inside a loop, and code generation for an exit statement requires knowledge of which loop encloses it.</a:t>
             </a:r>
           </a:p>
           <a:p>
